--- a/D_amp_K.pptx
+++ b/D_amp_K.pptx
@@ -121,6 +121,25 @@
       </a:defRPr>
     </a:lvl9pPr>
   </p:defaultTextStyle>
+  <p:extLst>
+    <p:ext uri="{EFAFB233-063F-42B5-8137-9DF3F51BA10A}">
+      <p15:sldGuideLst xmlns:p15="http://schemas.microsoft.com/office/powerpoint/2012/main">
+        <p15:guide id="1" orient="horz" pos="2160">
+          <p15:clr>
+            <a:srgbClr val="A4A3A4"/>
+          </p15:clr>
+        </p15:guide>
+        <p15:guide id="2" pos="3840">
+          <p15:clr>
+            <a:srgbClr val="A4A3A4"/>
+          </p15:clr>
+        </p15:guide>
+      </p15:sldGuideLst>
+    </p:ext>
+    <p:ext uri="{2D200454-40CA-4A62-9FC3-DE9A4176ACB9}">
+      <p15:notesGuideLst xmlns:p15="http://schemas.microsoft.com/office/powerpoint/2012/main"/>
+    </p:ext>
+  </p:extLst>
 </p:presentation>
 </file>
 
@@ -207,7 +226,7 @@
             <a:fld id="{9B09BF7E-D895-4479-AA16-A1EFBB1DFB64}" type="datetimeFigureOut">
               <a:rPr lang="ru-RU" smtClean="0"/>
               <a:pPr/>
-              <a:t>25.05.2021</a:t>
+              <a:t>26.05.2021</a:t>
             </a:fld>
             <a:endParaRPr lang="ru-RU"/>
           </a:p>
@@ -375,7 +394,7 @@
     </p:spTree>
     <p:extLst>
       <p:ext uri="{BB962C8B-B14F-4D97-AF65-F5344CB8AC3E}">
-        <p14:creationId xmlns:p14="http://schemas.microsoft.com/office/powerpoint/2010/main" xmlns="" val="3812698538"/>
+        <p14:creationId xmlns:p14="http://schemas.microsoft.com/office/powerpoint/2010/main" val="3812698538"/>
       </p:ext>
     </p:extLst>
   </p:cSld>
@@ -550,7 +569,7 @@
     </p:spTree>
     <p:extLst>
       <p:ext uri="{BB962C8B-B14F-4D97-AF65-F5344CB8AC3E}">
-        <p14:creationId xmlns:p14="http://schemas.microsoft.com/office/powerpoint/2010/main" xmlns="" val="3216544566"/>
+        <p14:creationId xmlns:p14="http://schemas.microsoft.com/office/powerpoint/2010/main" val="3216544566"/>
       </p:ext>
     </p:extLst>
   </p:cSld>
@@ -635,7 +654,7 @@
     </p:spTree>
     <p:extLst>
       <p:ext uri="{BB962C8B-B14F-4D97-AF65-F5344CB8AC3E}">
-        <p14:creationId xmlns:p14="http://schemas.microsoft.com/office/powerpoint/2010/main" xmlns="" val="363765114"/>
+        <p14:creationId xmlns:p14="http://schemas.microsoft.com/office/powerpoint/2010/main" val="363765114"/>
       </p:ext>
     </p:extLst>
   </p:cSld>
@@ -720,7 +739,7 @@
     </p:spTree>
     <p:extLst>
       <p:ext uri="{BB962C8B-B14F-4D97-AF65-F5344CB8AC3E}">
-        <p14:creationId xmlns:p14="http://schemas.microsoft.com/office/powerpoint/2010/main" xmlns="" val="1998307880"/>
+        <p14:creationId xmlns:p14="http://schemas.microsoft.com/office/powerpoint/2010/main" val="1998307880"/>
       </p:ext>
     </p:extLst>
   </p:cSld>
@@ -805,7 +824,7 @@
     </p:spTree>
     <p:extLst>
       <p:ext uri="{BB962C8B-B14F-4D97-AF65-F5344CB8AC3E}">
-        <p14:creationId xmlns:p14="http://schemas.microsoft.com/office/powerpoint/2010/main" xmlns="" val="3095287327"/>
+        <p14:creationId xmlns:p14="http://schemas.microsoft.com/office/powerpoint/2010/main" val="3095287327"/>
       </p:ext>
     </p:extLst>
   </p:cSld>
@@ -890,7 +909,7 @@
     </p:spTree>
     <p:extLst>
       <p:ext uri="{BB962C8B-B14F-4D97-AF65-F5344CB8AC3E}">
-        <p14:creationId xmlns:p14="http://schemas.microsoft.com/office/powerpoint/2010/main" xmlns="" val="2218132901"/>
+        <p14:creationId xmlns:p14="http://schemas.microsoft.com/office/powerpoint/2010/main" val="2218132901"/>
       </p:ext>
     </p:extLst>
   </p:cSld>
@@ -929,7 +948,7 @@
           <a:blip r:embed="rId2" cstate="print">
             <a:extLst>
               <a:ext uri="{28A0092B-C50C-407E-A947-70E740481C1C}">
-                <a14:useLocalDpi xmlns:a14="http://schemas.microsoft.com/office/drawing/2010/main" xmlns="" val="0"/>
+                <a14:useLocalDpi xmlns:a14="http://schemas.microsoft.com/office/drawing/2010/main" val="0"/>
               </a:ext>
             </a:extLst>
           </a:blip>
@@ -1062,7 +1081,7 @@
             <a:fld id="{D7FD5448-65FA-475B-83D9-B0FB1A0A581D}" type="datetimeFigureOut">
               <a:rPr lang="ru-RU" smtClean="0"/>
               <a:pPr/>
-              <a:t>25.05.2021</a:t>
+              <a:t>26.05.2021</a:t>
             </a:fld>
             <a:endParaRPr lang="ru-RU"/>
           </a:p>
@@ -1114,7 +1133,7 @@
     </p:spTree>
     <p:extLst>
       <p:ext uri="{BB962C8B-B14F-4D97-AF65-F5344CB8AC3E}">
-        <p14:creationId xmlns:p14="http://schemas.microsoft.com/office/powerpoint/2010/main" xmlns="" val="3983866679"/>
+        <p14:creationId xmlns:p14="http://schemas.microsoft.com/office/powerpoint/2010/main" val="3983866679"/>
       </p:ext>
     </p:extLst>
   </p:cSld>
@@ -1234,7 +1253,7 @@
             <a:fld id="{D7FD5448-65FA-475B-83D9-B0FB1A0A581D}" type="datetimeFigureOut">
               <a:rPr lang="ru-RU" smtClean="0"/>
               <a:pPr/>
-              <a:t>25.05.2021</a:t>
+              <a:t>26.05.2021</a:t>
             </a:fld>
             <a:endParaRPr lang="ru-RU"/>
           </a:p>
@@ -1286,7 +1305,7 @@
     </p:spTree>
     <p:extLst>
       <p:ext uri="{BB962C8B-B14F-4D97-AF65-F5344CB8AC3E}">
-        <p14:creationId xmlns:p14="http://schemas.microsoft.com/office/powerpoint/2010/main" xmlns="" val="1228869753"/>
+        <p14:creationId xmlns:p14="http://schemas.microsoft.com/office/powerpoint/2010/main" val="1228869753"/>
       </p:ext>
     </p:extLst>
   </p:cSld>
@@ -1416,7 +1435,7 @@
             <a:fld id="{D7FD5448-65FA-475B-83D9-B0FB1A0A581D}" type="datetimeFigureOut">
               <a:rPr lang="ru-RU" smtClean="0"/>
               <a:pPr/>
-              <a:t>25.05.2021</a:t>
+              <a:t>26.05.2021</a:t>
             </a:fld>
             <a:endParaRPr lang="ru-RU"/>
           </a:p>
@@ -1468,7 +1487,7 @@
     </p:spTree>
     <p:extLst>
       <p:ext uri="{BB962C8B-B14F-4D97-AF65-F5344CB8AC3E}">
-        <p14:creationId xmlns:p14="http://schemas.microsoft.com/office/powerpoint/2010/main" xmlns="" val="1378821512"/>
+        <p14:creationId xmlns:p14="http://schemas.microsoft.com/office/powerpoint/2010/main" val="1378821512"/>
       </p:ext>
     </p:extLst>
   </p:cSld>
@@ -1588,7 +1607,7 @@
             <a:fld id="{D7FD5448-65FA-475B-83D9-B0FB1A0A581D}" type="datetimeFigureOut">
               <a:rPr lang="ru-RU" smtClean="0"/>
               <a:pPr/>
-              <a:t>25.05.2021</a:t>
+              <a:t>26.05.2021</a:t>
             </a:fld>
             <a:endParaRPr lang="ru-RU"/>
           </a:p>
@@ -1640,7 +1659,7 @@
     </p:spTree>
     <p:extLst>
       <p:ext uri="{BB962C8B-B14F-4D97-AF65-F5344CB8AC3E}">
-        <p14:creationId xmlns:p14="http://schemas.microsoft.com/office/powerpoint/2010/main" xmlns="" val="3831524611"/>
+        <p14:creationId xmlns:p14="http://schemas.microsoft.com/office/powerpoint/2010/main" val="3831524611"/>
       </p:ext>
     </p:extLst>
   </p:cSld>
@@ -1834,7 +1853,7 @@
             <a:fld id="{D7FD5448-65FA-475B-83D9-B0FB1A0A581D}" type="datetimeFigureOut">
               <a:rPr lang="ru-RU" smtClean="0"/>
               <a:pPr/>
-              <a:t>25.05.2021</a:t>
+              <a:t>26.05.2021</a:t>
             </a:fld>
             <a:endParaRPr lang="ru-RU"/>
           </a:p>
@@ -1886,7 +1905,7 @@
     </p:spTree>
     <p:extLst>
       <p:ext uri="{BB962C8B-B14F-4D97-AF65-F5344CB8AC3E}">
-        <p14:creationId xmlns:p14="http://schemas.microsoft.com/office/powerpoint/2010/main" xmlns="" val="3774093118"/>
+        <p14:creationId xmlns:p14="http://schemas.microsoft.com/office/powerpoint/2010/main" val="3774093118"/>
       </p:ext>
     </p:extLst>
   </p:cSld>
@@ -2068,7 +2087,7 @@
             <a:fld id="{D7FD5448-65FA-475B-83D9-B0FB1A0A581D}" type="datetimeFigureOut">
               <a:rPr lang="ru-RU" smtClean="0"/>
               <a:pPr/>
-              <a:t>25.05.2021</a:t>
+              <a:t>26.05.2021</a:t>
             </a:fld>
             <a:endParaRPr lang="ru-RU"/>
           </a:p>
@@ -2120,7 +2139,7 @@
     </p:spTree>
     <p:extLst>
       <p:ext uri="{BB962C8B-B14F-4D97-AF65-F5344CB8AC3E}">
-        <p14:creationId xmlns:p14="http://schemas.microsoft.com/office/powerpoint/2010/main" xmlns="" val="393560003"/>
+        <p14:creationId xmlns:p14="http://schemas.microsoft.com/office/powerpoint/2010/main" val="393560003"/>
       </p:ext>
     </p:extLst>
   </p:cSld>
@@ -2437,7 +2456,7 @@
             <a:fld id="{D7FD5448-65FA-475B-83D9-B0FB1A0A581D}" type="datetimeFigureOut">
               <a:rPr lang="ru-RU" smtClean="0"/>
               <a:pPr/>
-              <a:t>25.05.2021</a:t>
+              <a:t>26.05.2021</a:t>
             </a:fld>
             <a:endParaRPr lang="ru-RU"/>
           </a:p>
@@ -2489,7 +2508,7 @@
     </p:spTree>
     <p:extLst>
       <p:ext uri="{BB962C8B-B14F-4D97-AF65-F5344CB8AC3E}">
-        <p14:creationId xmlns:p14="http://schemas.microsoft.com/office/powerpoint/2010/main" xmlns="" val="2785869484"/>
+        <p14:creationId xmlns:p14="http://schemas.microsoft.com/office/powerpoint/2010/main" val="2785869484"/>
       </p:ext>
     </p:extLst>
   </p:cSld>
@@ -2557,7 +2576,7 @@
             <a:fld id="{D7FD5448-65FA-475B-83D9-B0FB1A0A581D}" type="datetimeFigureOut">
               <a:rPr lang="ru-RU" smtClean="0"/>
               <a:pPr/>
-              <a:t>25.05.2021</a:t>
+              <a:t>26.05.2021</a:t>
             </a:fld>
             <a:endParaRPr lang="ru-RU"/>
           </a:p>
@@ -2609,7 +2628,7 @@
     </p:spTree>
     <p:extLst>
       <p:ext uri="{BB962C8B-B14F-4D97-AF65-F5344CB8AC3E}">
-        <p14:creationId xmlns:p14="http://schemas.microsoft.com/office/powerpoint/2010/main" xmlns="" val="308307607"/>
+        <p14:creationId xmlns:p14="http://schemas.microsoft.com/office/powerpoint/2010/main" val="308307607"/>
       </p:ext>
     </p:extLst>
   </p:cSld>
@@ -2654,7 +2673,7 @@
             <a:fld id="{D7FD5448-65FA-475B-83D9-B0FB1A0A581D}" type="datetimeFigureOut">
               <a:rPr lang="ru-RU" smtClean="0"/>
               <a:pPr/>
-              <a:t>25.05.2021</a:t>
+              <a:t>26.05.2021</a:t>
             </a:fld>
             <a:endParaRPr lang="ru-RU"/>
           </a:p>
@@ -2706,7 +2725,7 @@
     </p:spTree>
     <p:extLst>
       <p:ext uri="{BB962C8B-B14F-4D97-AF65-F5344CB8AC3E}">
-        <p14:creationId xmlns:p14="http://schemas.microsoft.com/office/powerpoint/2010/main" xmlns="" val="3698216700"/>
+        <p14:creationId xmlns:p14="http://schemas.microsoft.com/office/powerpoint/2010/main" val="3698216700"/>
       </p:ext>
     </p:extLst>
   </p:cSld>
@@ -2933,7 +2952,7 @@
             <a:fld id="{D7FD5448-65FA-475B-83D9-B0FB1A0A581D}" type="datetimeFigureOut">
               <a:rPr lang="ru-RU" smtClean="0"/>
               <a:pPr/>
-              <a:t>25.05.2021</a:t>
+              <a:t>26.05.2021</a:t>
             </a:fld>
             <a:endParaRPr lang="ru-RU"/>
           </a:p>
@@ -2985,7 +3004,7 @@
     </p:spTree>
     <p:extLst>
       <p:ext uri="{BB962C8B-B14F-4D97-AF65-F5344CB8AC3E}">
-        <p14:creationId xmlns:p14="http://schemas.microsoft.com/office/powerpoint/2010/main" xmlns="" val="1606625645"/>
+        <p14:creationId xmlns:p14="http://schemas.microsoft.com/office/powerpoint/2010/main" val="1606625645"/>
       </p:ext>
     </p:extLst>
   </p:cSld>
@@ -3192,7 +3211,7 @@
             <a:fld id="{D7FD5448-65FA-475B-83D9-B0FB1A0A581D}" type="datetimeFigureOut">
               <a:rPr lang="ru-RU" smtClean="0"/>
               <a:pPr/>
-              <a:t>25.05.2021</a:t>
+              <a:t>26.05.2021</a:t>
             </a:fld>
             <a:endParaRPr lang="ru-RU"/>
           </a:p>
@@ -3244,7 +3263,7 @@
     </p:spTree>
     <p:extLst>
       <p:ext uri="{BB962C8B-B14F-4D97-AF65-F5344CB8AC3E}">
-        <p14:creationId xmlns:p14="http://schemas.microsoft.com/office/powerpoint/2010/main" xmlns="" val="3507489567"/>
+        <p14:creationId xmlns:p14="http://schemas.microsoft.com/office/powerpoint/2010/main" val="3507489567"/>
       </p:ext>
     </p:extLst>
   </p:cSld>
@@ -3288,7 +3307,7 @@
           <a:blip r:embed="rId13" cstate="print">
             <a:extLst>
               <a:ext uri="{28A0092B-C50C-407E-A947-70E740481C1C}">
-                <a14:useLocalDpi xmlns:a14="http://schemas.microsoft.com/office/drawing/2010/main" xmlns="" val="0"/>
+                <a14:useLocalDpi xmlns:a14="http://schemas.microsoft.com/office/drawing/2010/main" val="0"/>
               </a:ext>
             </a:extLst>
           </a:blip>
@@ -3437,7 +3456,7 @@
             <a:fld id="{D7FD5448-65FA-475B-83D9-B0FB1A0A581D}" type="datetimeFigureOut">
               <a:rPr lang="ru-RU" smtClean="0"/>
               <a:pPr/>
-              <a:t>25.05.2021</a:t>
+              <a:t>26.05.2021</a:t>
             </a:fld>
             <a:endParaRPr lang="ru-RU"/>
           </a:p>
@@ -3525,7 +3544,7 @@
     </p:spTree>
     <p:extLst>
       <p:ext uri="{BB962C8B-B14F-4D97-AF65-F5344CB8AC3E}">
-        <p14:creationId xmlns:p14="http://schemas.microsoft.com/office/powerpoint/2010/main" xmlns="" val="2869400681"/>
+        <p14:creationId xmlns:p14="http://schemas.microsoft.com/office/powerpoint/2010/main" val="2869400681"/>
       </p:ext>
     </p:extLst>
   </p:cSld>
@@ -3848,7 +3867,7 @@
           <p:cNvPr id="2" name="Заголовок 1">
             <a:extLst>
               <a:ext uri="{FF2B5EF4-FFF2-40B4-BE49-F238E27FC236}">
-                <a16:creationId xmlns:a16="http://schemas.microsoft.com/office/drawing/2014/main" xmlns="" id="{2F66E35A-22F4-4398-BEAF-7956678432F7}"/>
+                <a16:creationId xmlns:a16="http://schemas.microsoft.com/office/drawing/2014/main" id="{2F66E35A-22F4-4398-BEAF-7956678432F7}"/>
               </a:ext>
             </a:extLst>
           </p:cNvPr>
@@ -3916,7 +3935,7 @@
           <p:cNvPr id="3" name="Подзаголовок 2">
             <a:extLst>
               <a:ext uri="{FF2B5EF4-FFF2-40B4-BE49-F238E27FC236}">
-                <a16:creationId xmlns:a16="http://schemas.microsoft.com/office/drawing/2014/main" xmlns="" id="{40A89AAE-D86F-4FC8-8CA6-37176FD6CA3A}"/>
+                <a16:creationId xmlns:a16="http://schemas.microsoft.com/office/drawing/2014/main" id="{40A89AAE-D86F-4FC8-8CA6-37176FD6CA3A}"/>
               </a:ext>
             </a:extLst>
           </p:cNvPr>
@@ -3974,7 +3993,7 @@
     </p:spTree>
     <p:extLst>
       <p:ext uri="{BB962C8B-B14F-4D97-AF65-F5344CB8AC3E}">
-        <p14:creationId xmlns:p14="http://schemas.microsoft.com/office/powerpoint/2010/main" xmlns="" val="2540079622"/>
+        <p14:creationId xmlns:p14="http://schemas.microsoft.com/office/powerpoint/2010/main" val="2540079622"/>
       </p:ext>
     </p:extLst>
   </p:cSld>
@@ -4006,7 +4025,7 @@
           <p:cNvPr id="2" name="Заголовок 1">
             <a:extLst>
               <a:ext uri="{FF2B5EF4-FFF2-40B4-BE49-F238E27FC236}">
-                <a16:creationId xmlns:a16="http://schemas.microsoft.com/office/drawing/2014/main" xmlns="" id="{6B90A13C-1F10-4503-8003-A254535F8A93}"/>
+                <a16:creationId xmlns:a16="http://schemas.microsoft.com/office/drawing/2014/main" id="{6B90A13C-1F10-4503-8003-A254535F8A93}"/>
               </a:ext>
             </a:extLst>
           </p:cNvPr>
@@ -4039,57 +4058,12 @@
           </a:p>
         </p:txBody>
       </p:sp>
-      <p:sp>
-        <p:nvSpPr>
-          <p:cNvPr id="3" name="Объект 2">
-            <a:extLst>
-              <a:ext uri="{FF2B5EF4-FFF2-40B4-BE49-F238E27FC236}">
-                <a16:creationId xmlns:a16="http://schemas.microsoft.com/office/drawing/2014/main" xmlns="" id="{8BB5A0FE-AE4B-4EF5-A9B4-711DDA5DC9C4}"/>
-              </a:ext>
-            </a:extLst>
-          </p:cNvPr>
-          <p:cNvSpPr>
-            <a:spLocks noGrp="1"/>
-          </p:cNvSpPr>
-          <p:nvPr>
-            <p:ph idx="1"/>
-          </p:nvPr>
-        </p:nvSpPr>
-        <p:spPr/>
-        <p:txBody>
-          <a:bodyPr/>
-          <a:lstStyle/>
-          <a:p>
-            <a:r>
-              <a:rPr lang="ru-RU" dirty="0">
-                <a:solidFill>
-                  <a:schemeClr val="bg1"/>
-                </a:solidFill>
-              </a:rPr>
-              <a:t>Самое простое, что можно сделать: при клике на кнопку, менять класс объекта, а остальное оставить </a:t>
-            </a:r>
-            <a:r>
-              <a:rPr lang="en-US" dirty="0">
-                <a:solidFill>
-                  <a:schemeClr val="bg1"/>
-                </a:solidFill>
-              </a:rPr>
-              <a:t>CSS</a:t>
-            </a:r>
-            <a:endParaRPr lang="ru-RU" dirty="0">
-              <a:solidFill>
-                <a:schemeClr val="bg1"/>
-              </a:solidFill>
-            </a:endParaRPr>
-          </a:p>
-        </p:txBody>
-      </p:sp>
       <p:pic>
         <p:nvPicPr>
           <p:cNvPr id="13" name="Рисунок 12">
             <a:extLst>
               <a:ext uri="{FF2B5EF4-FFF2-40B4-BE49-F238E27FC236}">
-                <a16:creationId xmlns:a16="http://schemas.microsoft.com/office/drawing/2014/main" xmlns="" id="{1CA29194-B772-409D-B2A1-1C5D5EC9DD6A}"/>
+                <a16:creationId xmlns:a16="http://schemas.microsoft.com/office/drawing/2014/main" id="{1CA29194-B772-409D-B2A1-1C5D5EC9DD6A}"/>
               </a:ext>
             </a:extLst>
           </p:cNvPr>
@@ -4106,7 +4080,7 @@
         </p:blipFill>
         <p:spPr>
           <a:xfrm>
-            <a:off x="3220929" y="2783388"/>
+            <a:off x="3348945" y="1507223"/>
             <a:ext cx="4362129" cy="1921777"/>
           </a:xfrm>
           <a:prstGeom prst="rect">
@@ -4119,7 +4093,7 @@
           <p:cNvPr id="15" name="Рисунок 14">
             <a:extLst>
               <a:ext uri="{FF2B5EF4-FFF2-40B4-BE49-F238E27FC236}">
-                <a16:creationId xmlns:a16="http://schemas.microsoft.com/office/drawing/2014/main" xmlns="" id="{B2862C22-B77B-4878-A25F-6B1ACC2B82C8}"/>
+                <a16:creationId xmlns:a16="http://schemas.microsoft.com/office/drawing/2014/main" id="{B2862C22-B77B-4878-A25F-6B1ACC2B82C8}"/>
               </a:ext>
             </a:extLst>
           </p:cNvPr>
@@ -4136,7 +4110,7 @@
         </p:blipFill>
         <p:spPr>
           <a:xfrm>
-            <a:off x="5843586" y="4803564"/>
+            <a:off x="2716338" y="4642534"/>
             <a:ext cx="2231393" cy="965419"/>
           </a:xfrm>
           <a:prstGeom prst="rect">
@@ -4144,64 +4118,12 @@
           </a:prstGeom>
         </p:spPr>
       </p:pic>
-      <p:sp>
-        <p:nvSpPr>
-          <p:cNvPr id="16" name="TextBox 15">
-            <a:extLst>
-              <a:ext uri="{FF2B5EF4-FFF2-40B4-BE49-F238E27FC236}">
-                <a16:creationId xmlns:a16="http://schemas.microsoft.com/office/drawing/2014/main" xmlns="" id="{6028CC2E-4503-403E-B9EE-691E838A14BA}"/>
-              </a:ext>
-            </a:extLst>
-          </p:cNvPr>
-          <p:cNvSpPr txBox="1"/>
-          <p:nvPr/>
-        </p:nvSpPr>
-        <p:spPr>
-          <a:xfrm>
-            <a:off x="1882146" y="5032244"/>
-            <a:ext cx="6391922" cy="369332"/>
-          </a:xfrm>
-          <a:prstGeom prst="rect">
-            <a:avLst/>
-          </a:prstGeom>
-          <a:noFill/>
-        </p:spPr>
-        <p:txBody>
-          <a:bodyPr wrap="square" rtlCol="0">
-            <a:spAutoFit/>
-          </a:bodyPr>
-          <a:lstStyle/>
-          <a:p>
-            <a:r>
-              <a:rPr lang="ru-RU" dirty="0">
-                <a:solidFill>
-                  <a:schemeClr val="bg1"/>
-                </a:solidFill>
-              </a:rPr>
-              <a:t>Так реализована, допустим, </a:t>
-            </a:r>
-            <a:r>
-              <a:rPr lang="ru-RU" dirty="0" err="1">
-                <a:solidFill>
-                  <a:schemeClr val="bg1"/>
-                </a:solidFill>
-              </a:rPr>
-              <a:t>менюшка</a:t>
-            </a:r>
-            <a:endParaRPr lang="ru-RU" dirty="0">
-              <a:solidFill>
-                <a:schemeClr val="bg1"/>
-              </a:solidFill>
-            </a:endParaRPr>
-          </a:p>
-        </p:txBody>
-      </p:sp>
       <p:pic>
         <p:nvPicPr>
           <p:cNvPr id="18" name="Рисунок 17">
             <a:extLst>
               <a:ext uri="{FF2B5EF4-FFF2-40B4-BE49-F238E27FC236}">
-                <a16:creationId xmlns:a16="http://schemas.microsoft.com/office/drawing/2014/main" xmlns="" id="{7665AD6C-D0E0-449E-861F-BE73074B4C6B}"/>
+                <a16:creationId xmlns:a16="http://schemas.microsoft.com/office/drawing/2014/main" id="{7665AD6C-D0E0-449E-861F-BE73074B4C6B}"/>
               </a:ext>
             </a:extLst>
           </p:cNvPr>
@@ -4218,7 +4140,7 @@
         </p:blipFill>
         <p:spPr>
           <a:xfrm>
-            <a:off x="8246972" y="4001294"/>
+            <a:off x="5851244" y="4001293"/>
             <a:ext cx="2409825" cy="2247900"/>
           </a:xfrm>
           <a:prstGeom prst="rect">
@@ -4229,7 +4151,7 @@
     </p:spTree>
     <p:extLst>
       <p:ext uri="{BB962C8B-B14F-4D97-AF65-F5344CB8AC3E}">
-        <p14:creationId xmlns:p14="http://schemas.microsoft.com/office/powerpoint/2010/main" xmlns="" val="3133820237"/>
+        <p14:creationId xmlns:p14="http://schemas.microsoft.com/office/powerpoint/2010/main" val="3133820237"/>
       </p:ext>
     </p:extLst>
   </p:cSld>
@@ -4261,7 +4183,7 @@
           <p:cNvPr id="2" name="Заголовок 1">
             <a:extLst>
               <a:ext uri="{FF2B5EF4-FFF2-40B4-BE49-F238E27FC236}">
-                <a16:creationId xmlns:a16="http://schemas.microsoft.com/office/drawing/2014/main" xmlns="" id="{13376411-CC61-4545-BEE9-BA5153BB7679}"/>
+                <a16:creationId xmlns:a16="http://schemas.microsoft.com/office/drawing/2014/main" id="{13376411-CC61-4545-BEE9-BA5153BB7679}"/>
               </a:ext>
             </a:extLst>
           </p:cNvPr>
@@ -4294,78 +4216,12 @@
           </a:p>
         </p:txBody>
       </p:sp>
-      <p:sp>
-        <p:nvSpPr>
-          <p:cNvPr id="3" name="Объект 2">
-            <a:extLst>
-              <a:ext uri="{FF2B5EF4-FFF2-40B4-BE49-F238E27FC236}">
-                <a16:creationId xmlns:a16="http://schemas.microsoft.com/office/drawing/2014/main" xmlns="" id="{27816D67-3C88-48E7-9CF8-856375F5329F}"/>
-              </a:ext>
-            </a:extLst>
-          </p:cNvPr>
-          <p:cNvSpPr>
-            <a:spLocks noGrp="1"/>
-          </p:cNvSpPr>
-          <p:nvPr>
-            <p:ph idx="1"/>
-          </p:nvPr>
-        </p:nvSpPr>
-        <p:spPr>
-          <a:xfrm>
-            <a:off x="838200" y="1340848"/>
-            <a:ext cx="10515600" cy="4351338"/>
-          </a:xfrm>
-        </p:spPr>
-        <p:txBody>
-          <a:bodyPr/>
-          <a:lstStyle/>
-          <a:p>
-            <a:r>
-              <a:rPr lang="ru-RU" dirty="0">
-                <a:solidFill>
-                  <a:schemeClr val="bg1"/>
-                </a:solidFill>
-              </a:rPr>
-              <a:t>Уже сложнее работать с моделями. Возьмём, к примеру, лайки. Тогда при клике на изображение лайка, код должен изменить цвет картинки, кол-во лайков, а также создать новый объект модели </a:t>
-            </a:r>
-            <a:r>
-              <a:rPr lang="en-US" dirty="0">
-                <a:solidFill>
-                  <a:schemeClr val="bg1"/>
-                </a:solidFill>
-              </a:rPr>
-              <a:t>Likes</a:t>
-            </a:r>
-            <a:r>
-              <a:rPr lang="ru-RU" dirty="0">
-                <a:solidFill>
-                  <a:schemeClr val="bg1"/>
-                </a:solidFill>
-              </a:rPr>
-              <a:t>. Тут-то нам и пригодиться </a:t>
-            </a:r>
-            <a:r>
-              <a:rPr lang="en-US" dirty="0">
-                <a:solidFill>
-                  <a:schemeClr val="bg1"/>
-                </a:solidFill>
-              </a:rPr>
-              <a:t>API</a:t>
-            </a:r>
-            <a:endParaRPr lang="ru-RU" dirty="0">
-              <a:solidFill>
-                <a:schemeClr val="bg1"/>
-              </a:solidFill>
-            </a:endParaRPr>
-          </a:p>
-        </p:txBody>
-      </p:sp>
       <p:pic>
         <p:nvPicPr>
           <p:cNvPr id="5" name="Рисунок 4">
             <a:extLst>
               <a:ext uri="{FF2B5EF4-FFF2-40B4-BE49-F238E27FC236}">
-                <a16:creationId xmlns:a16="http://schemas.microsoft.com/office/drawing/2014/main" xmlns="" id="{AD1A4EF2-42DB-4E68-9F6B-6730C46EC3DE}"/>
+                <a16:creationId xmlns:a16="http://schemas.microsoft.com/office/drawing/2014/main" id="{AD1A4EF2-42DB-4E68-9F6B-6730C46EC3DE}"/>
               </a:ext>
             </a:extLst>
           </p:cNvPr>
@@ -4382,7 +4238,7 @@
         </p:blipFill>
         <p:spPr>
           <a:xfrm>
-            <a:off x="3814346" y="2996653"/>
+            <a:off x="4317266" y="1844509"/>
             <a:ext cx="3855960" cy="3496220"/>
           </a:xfrm>
           <a:prstGeom prst="rect">
@@ -4393,7 +4249,7 @@
     </p:spTree>
     <p:extLst>
       <p:ext uri="{BB962C8B-B14F-4D97-AF65-F5344CB8AC3E}">
-        <p14:creationId xmlns:p14="http://schemas.microsoft.com/office/powerpoint/2010/main" xmlns="" val="2508455151"/>
+        <p14:creationId xmlns:p14="http://schemas.microsoft.com/office/powerpoint/2010/main" val="2508455151"/>
       </p:ext>
     </p:extLst>
   </p:cSld>
@@ -4425,7 +4281,7 @@
           <p:cNvPr id="2" name="Заголовок 1">
             <a:extLst>
               <a:ext uri="{FF2B5EF4-FFF2-40B4-BE49-F238E27FC236}">
-                <a16:creationId xmlns:a16="http://schemas.microsoft.com/office/drawing/2014/main" xmlns="" id="{427A58BF-1D62-4EE9-A6C6-64E795042D6B}"/>
+                <a16:creationId xmlns:a16="http://schemas.microsoft.com/office/drawing/2014/main" id="{427A58BF-1D62-4EE9-A6C6-64E795042D6B}"/>
               </a:ext>
             </a:extLst>
           </p:cNvPr>
@@ -4458,92 +4314,12 @@
           </a:p>
         </p:txBody>
       </p:sp>
-      <p:sp>
-        <p:nvSpPr>
-          <p:cNvPr id="3" name="Объект 2">
-            <a:extLst>
-              <a:ext uri="{FF2B5EF4-FFF2-40B4-BE49-F238E27FC236}">
-                <a16:creationId xmlns:a16="http://schemas.microsoft.com/office/drawing/2014/main" xmlns="" id="{EF256AC3-751B-4F06-82CE-BE8D7384786C}"/>
-              </a:ext>
-            </a:extLst>
-          </p:cNvPr>
-          <p:cNvSpPr>
-            <a:spLocks noGrp="1"/>
-          </p:cNvSpPr>
-          <p:nvPr>
-            <p:ph idx="1"/>
-          </p:nvPr>
-        </p:nvSpPr>
-        <p:spPr/>
-        <p:txBody>
-          <a:bodyPr/>
-          <a:lstStyle/>
-          <a:p>
-            <a:r>
-              <a:rPr lang="ru-RU" dirty="0">
-                <a:solidFill>
-                  <a:schemeClr val="bg1"/>
-                </a:solidFill>
-              </a:rPr>
-              <a:t>Код </a:t>
-            </a:r>
-            <a:r>
-              <a:rPr lang="en-US" dirty="0">
-                <a:solidFill>
-                  <a:schemeClr val="bg1"/>
-                </a:solidFill>
-              </a:rPr>
-              <a:t>JS </a:t>
-            </a:r>
-            <a:r>
-              <a:rPr lang="ru-RU" dirty="0">
-                <a:solidFill>
-                  <a:schemeClr val="bg1"/>
-                </a:solidFill>
-              </a:rPr>
-              <a:t>посылает запрос на нужный </a:t>
-            </a:r>
-            <a:r>
-              <a:rPr lang="en-US" dirty="0" err="1">
-                <a:solidFill>
-                  <a:schemeClr val="bg1"/>
-                </a:solidFill>
-              </a:rPr>
-              <a:t>url</a:t>
-            </a:r>
-            <a:r>
-              <a:rPr lang="ru-RU" dirty="0">
-                <a:solidFill>
-                  <a:schemeClr val="bg1"/>
-                </a:solidFill>
-              </a:rPr>
-              <a:t>, который обрабатывается </a:t>
-            </a:r>
-            <a:r>
-              <a:rPr lang="en-US" dirty="0">
-                <a:solidFill>
-                  <a:schemeClr val="bg1"/>
-                </a:solidFill>
-              </a:rPr>
-              <a:t>Django</a:t>
-            </a:r>
-            <a:r>
-              <a:rPr lang="ru-RU" dirty="0">
-                <a:solidFill>
-                  <a:schemeClr val="bg1"/>
-                </a:solidFill>
-              </a:rPr>
-              <a:t> в нашем классе, который вернёт необходимые данные.</a:t>
-            </a:r>
-          </a:p>
-        </p:txBody>
-      </p:sp>
       <p:pic>
         <p:nvPicPr>
           <p:cNvPr id="5" name="Рисунок 4">
             <a:extLst>
               <a:ext uri="{FF2B5EF4-FFF2-40B4-BE49-F238E27FC236}">
-                <a16:creationId xmlns:a16="http://schemas.microsoft.com/office/drawing/2014/main" xmlns="" id="{1BDDDD19-4AF6-4E5B-A28C-FA438FC59BB9}"/>
+                <a16:creationId xmlns:a16="http://schemas.microsoft.com/office/drawing/2014/main" id="{1BDDDD19-4AF6-4E5B-A28C-FA438FC59BB9}"/>
               </a:ext>
             </a:extLst>
           </p:cNvPr>
@@ -4560,7 +4336,7 @@
         </p:blipFill>
         <p:spPr>
           <a:xfrm>
-            <a:off x="3618807" y="2703525"/>
+            <a:off x="3655383" y="1761693"/>
             <a:ext cx="4610793" cy="3789348"/>
           </a:xfrm>
           <a:prstGeom prst="rect">
@@ -4571,7 +4347,7 @@
     </p:spTree>
     <p:extLst>
       <p:ext uri="{BB962C8B-B14F-4D97-AF65-F5344CB8AC3E}">
-        <p14:creationId xmlns:p14="http://schemas.microsoft.com/office/powerpoint/2010/main" xmlns="" val="242922454"/>
+        <p14:creationId xmlns:p14="http://schemas.microsoft.com/office/powerpoint/2010/main" val="242922454"/>
       </p:ext>
     </p:extLst>
   </p:cSld>
@@ -4603,7 +4379,7 @@
           <p:cNvPr id="2" name="Заголовок 1">
             <a:extLst>
               <a:ext uri="{FF2B5EF4-FFF2-40B4-BE49-F238E27FC236}">
-                <a16:creationId xmlns:a16="http://schemas.microsoft.com/office/drawing/2014/main" xmlns="" id="{90E52613-2426-4E45-B790-B5F76B426529}"/>
+                <a16:creationId xmlns:a16="http://schemas.microsoft.com/office/drawing/2014/main" id="{90E52613-2426-4E45-B790-B5F76B426529}"/>
               </a:ext>
             </a:extLst>
           </p:cNvPr>
@@ -4649,7 +4425,7 @@
           <p:cNvPr id="3" name="Объект 2">
             <a:extLst>
               <a:ext uri="{FF2B5EF4-FFF2-40B4-BE49-F238E27FC236}">
-                <a16:creationId xmlns:a16="http://schemas.microsoft.com/office/drawing/2014/main" xmlns="" id="{407794E0-0AD1-447F-8652-84055AB1DA46}"/>
+                <a16:creationId xmlns:a16="http://schemas.microsoft.com/office/drawing/2014/main" id="{407794E0-0AD1-447F-8652-84055AB1DA46}"/>
               </a:ext>
             </a:extLst>
           </p:cNvPr>
@@ -4660,18 +4436,99 @@
             <p:ph idx="1"/>
           </p:nvPr>
         </p:nvSpPr>
-        <p:spPr/>
-        <p:txBody>
-          <a:bodyPr/>
-          <a:lstStyle/>
-          <a:p>
-            <a:r>
-              <a:rPr lang="ru-RU" dirty="0" smtClean="0">
+        <p:spPr>
+          <a:xfrm>
+            <a:off x="947928" y="1690690"/>
+            <a:ext cx="10515600" cy="4351338"/>
+          </a:xfrm>
+        </p:spPr>
+        <p:txBody>
+          <a:bodyPr/>
+          <a:lstStyle/>
+          <a:p>
+            <a:r>
+              <a:rPr lang="ru-RU" dirty="0">
                 <a:solidFill>
                   <a:schemeClr val="bg1"/>
                 </a:solidFill>
               </a:rPr>
               <a:t>Самая важная часть социальной сети это переписка между пользователями.</a:t>
+            </a:r>
+          </a:p>
+          <a:p>
+            <a:r>
+              <a:rPr lang="ru-RU" dirty="0">
+                <a:solidFill>
+                  <a:schemeClr val="bg1"/>
+                </a:solidFill>
+              </a:rPr>
+              <a:t>Для этого в нашем приложении есть модели </a:t>
+            </a:r>
+            <a:r>
+              <a:rPr lang="ru-RU" dirty="0" err="1">
+                <a:solidFill>
+                  <a:schemeClr val="bg1"/>
+                </a:solidFill>
+              </a:rPr>
+              <a:t>Messages</a:t>
+            </a:r>
+            <a:r>
+              <a:rPr lang="ru-RU" dirty="0">
+                <a:solidFill>
+                  <a:schemeClr val="bg1"/>
+                </a:solidFill>
+              </a:rPr>
+              <a:t> и </a:t>
+            </a:r>
+            <a:r>
+              <a:rPr lang="ru-RU" dirty="0" err="1">
+                <a:solidFill>
+                  <a:schemeClr val="bg1"/>
+                </a:solidFill>
+              </a:rPr>
+              <a:t>Chats</a:t>
+            </a:r>
+            <a:r>
+              <a:rPr lang="ru-RU" dirty="0">
+                <a:solidFill>
+                  <a:schemeClr val="bg1"/>
+                </a:solidFill>
+              </a:rPr>
+              <a:t> </a:t>
+            </a:r>
+          </a:p>
+          <a:p>
+            <a:r>
+              <a:rPr lang="ru-RU" dirty="0">
+                <a:solidFill>
+                  <a:schemeClr val="bg1"/>
+                </a:solidFill>
+              </a:rPr>
+              <a:t>На помощь приходит библиотека </a:t>
+            </a:r>
+            <a:r>
+              <a:rPr lang="en-US" dirty="0">
+                <a:solidFill>
+                  <a:schemeClr val="bg1"/>
+                </a:solidFill>
+              </a:rPr>
+              <a:t>channels </a:t>
+            </a:r>
+            <a:r>
+              <a:rPr lang="ru-RU" dirty="0">
+                <a:solidFill>
+                  <a:schemeClr val="bg1"/>
+                </a:solidFill>
+              </a:rPr>
+              <a:t>и хранилище </a:t>
+            </a:r>
+            <a:r>
+              <a:rPr lang="en-US" dirty="0" err="1">
+                <a:solidFill>
+                  <a:schemeClr val="bg1"/>
+                </a:solidFill>
+              </a:rPr>
+              <a:t>Redis</a:t>
             </a:r>
             <a:endParaRPr lang="ru-RU" dirty="0">
               <a:solidFill>
@@ -4681,75 +4538,20 @@
           </a:p>
           <a:p>
             <a:r>
-              <a:rPr lang="ru-RU" dirty="0" smtClean="0">
-                <a:solidFill>
-                  <a:schemeClr val="bg1"/>
-                </a:solidFill>
-              </a:rPr>
-              <a:t>Для этого в нашем приложении есть модели </a:t>
-            </a:r>
-            <a:r>
-              <a:rPr lang="ru-RU" dirty="0" err="1" smtClean="0">
-                <a:solidFill>
-                  <a:schemeClr val="bg1"/>
-                </a:solidFill>
-              </a:rPr>
-              <a:t>Messages</a:t>
-            </a:r>
-            <a:r>
-              <a:rPr lang="ru-RU" dirty="0" smtClean="0">
-                <a:solidFill>
-                  <a:schemeClr val="bg1"/>
-                </a:solidFill>
-              </a:rPr>
-              <a:t> и </a:t>
-            </a:r>
-            <a:r>
-              <a:rPr lang="ru-RU" dirty="0" err="1" smtClean="0">
-                <a:solidFill>
-                  <a:schemeClr val="bg1"/>
-                </a:solidFill>
-              </a:rPr>
-              <a:t>Chats</a:t>
-            </a:r>
-            <a:r>
-              <a:rPr lang="ru-RU" dirty="0" smtClean="0">
-                <a:solidFill>
-                  <a:schemeClr val="bg1"/>
-                </a:solidFill>
-              </a:rPr>
-              <a:t> </a:t>
-            </a:r>
-            <a:endParaRPr lang="ru-RU" dirty="0" smtClean="0">
-              <a:solidFill>
-                <a:schemeClr val="bg1"/>
-              </a:solidFill>
-            </a:endParaRPr>
-          </a:p>
-          <a:p>
-            <a:r>
-              <a:rPr lang="ru-RU" dirty="0" smtClean="0">
-                <a:solidFill>
-                  <a:schemeClr val="bg1"/>
-                </a:solidFill>
-              </a:rPr>
-              <a:t>На </a:t>
-            </a:r>
-            <a:r>
               <a:rPr lang="ru-RU" dirty="0">
                 <a:solidFill>
                   <a:schemeClr val="bg1"/>
                 </a:solidFill>
               </a:rPr>
-              <a:t>помощь приходит библиотека </a:t>
-            </a:r>
-            <a:r>
-              <a:rPr lang="en-US" dirty="0">
-                <a:solidFill>
-                  <a:schemeClr val="bg1"/>
-                </a:solidFill>
-              </a:rPr>
-              <a:t>channels </a:t>
+              <a:t>Когда пользователь открывает диалог с другим пользователем создается </a:t>
+            </a:r>
+            <a:r>
+              <a:rPr lang="ru-RU" dirty="0" err="1">
+                <a:solidFill>
+                  <a:schemeClr val="bg1"/>
+                </a:solidFill>
+              </a:rPr>
+              <a:t>WEBSocket</a:t>
             </a:r>
             <a:r>
               <a:rPr lang="ru-RU" dirty="0">
@@ -4757,49 +4559,10 @@
                   <a:schemeClr val="bg1"/>
                 </a:solidFill>
               </a:rPr>
-              <a:t>и хранилище </a:t>
-            </a:r>
-            <a:r>
-              <a:rPr lang="en-US" dirty="0" err="1" smtClean="0">
-                <a:solidFill>
-                  <a:schemeClr val="bg1"/>
-                </a:solidFill>
-              </a:rPr>
-              <a:t>Redis</a:t>
-            </a:r>
-            <a:endParaRPr lang="ru-RU" dirty="0" smtClean="0">
-              <a:solidFill>
-                <a:schemeClr val="bg1"/>
-              </a:solidFill>
-            </a:endParaRPr>
-          </a:p>
-          <a:p>
-            <a:r>
-              <a:rPr lang="ru-RU" dirty="0" smtClean="0">
-                <a:solidFill>
-                  <a:schemeClr val="bg1"/>
-                </a:solidFill>
-              </a:rPr>
-              <a:t>Когда пользователь открывает диалог с другим пользователем создается </a:t>
-            </a:r>
-            <a:r>
-              <a:rPr lang="ru-RU" dirty="0" err="1" smtClean="0">
-                <a:solidFill>
-                  <a:schemeClr val="bg1"/>
-                </a:solidFill>
-              </a:rPr>
-              <a:t>WEBSocket</a:t>
-            </a:r>
-            <a:r>
-              <a:rPr lang="ru-RU" dirty="0" smtClean="0">
-                <a:solidFill>
-                  <a:schemeClr val="bg1"/>
-                </a:solidFill>
-              </a:rPr>
               <a:t> и если он напишет сообщение то это сообщение отправится во все </a:t>
             </a:r>
             <a:r>
-              <a:rPr lang="ru-RU" dirty="0" err="1" smtClean="0">
+              <a:rPr lang="ru-RU" dirty="0" err="1">
                 <a:solidFill>
                   <a:schemeClr val="bg1"/>
                 </a:solidFill>
@@ -4807,25 +4570,20 @@
               <a:t>WEBSocket`ы</a:t>
             </a:r>
             <a:r>
-              <a:rPr lang="ru-RU" dirty="0" smtClean="0">
+              <a:rPr lang="ru-RU" dirty="0">
                 <a:solidFill>
                   <a:schemeClr val="bg1"/>
                 </a:solidFill>
               </a:rPr>
               <a:t> уже открытые в этом диалоге.</a:t>
             </a:r>
-            <a:endParaRPr lang="ru-RU" dirty="0">
-              <a:solidFill>
-                <a:schemeClr val="bg1"/>
-              </a:solidFill>
-            </a:endParaRPr>
           </a:p>
         </p:txBody>
       </p:sp>
     </p:spTree>
     <p:extLst>
       <p:ext uri="{BB962C8B-B14F-4D97-AF65-F5344CB8AC3E}">
-        <p14:creationId xmlns:p14="http://schemas.microsoft.com/office/powerpoint/2010/main" xmlns="" val="2056464716"/>
+        <p14:creationId xmlns:p14="http://schemas.microsoft.com/office/powerpoint/2010/main" val="2056464716"/>
       </p:ext>
     </p:extLst>
   </p:cSld>
@@ -4857,7 +4615,7 @@
           <p:cNvPr id="2" name="Заголовок 1">
             <a:extLst>
               <a:ext uri="{FF2B5EF4-FFF2-40B4-BE49-F238E27FC236}">
-                <a16:creationId xmlns:a16="http://schemas.microsoft.com/office/drawing/2014/main" xmlns="" id="{86606F28-4526-4619-B5D4-FBDBF6496A51}"/>
+                <a16:creationId xmlns:a16="http://schemas.microsoft.com/office/drawing/2014/main" id="{86606F28-4526-4619-B5D4-FBDBF6496A51}"/>
               </a:ext>
             </a:extLst>
           </p:cNvPr>
@@ -4890,7 +4648,7 @@
           <p:cNvPr id="3" name="Объект 2">
             <a:extLst>
               <a:ext uri="{FF2B5EF4-FFF2-40B4-BE49-F238E27FC236}">
-                <a16:creationId xmlns:a16="http://schemas.microsoft.com/office/drawing/2014/main" xmlns="" id="{468ECF5B-D388-4765-B8C9-5DE66B9117B0}"/>
+                <a16:creationId xmlns:a16="http://schemas.microsoft.com/office/drawing/2014/main" id="{468ECF5B-D388-4765-B8C9-5DE66B9117B0}"/>
               </a:ext>
             </a:extLst>
           </p:cNvPr>
@@ -4938,7 +4696,7 @@
     </p:spTree>
     <p:extLst>
       <p:ext uri="{BB962C8B-B14F-4D97-AF65-F5344CB8AC3E}">
-        <p14:creationId xmlns:p14="http://schemas.microsoft.com/office/powerpoint/2010/main" xmlns="" val="1344790370"/>
+        <p14:creationId xmlns:p14="http://schemas.microsoft.com/office/powerpoint/2010/main" val="1344790370"/>
       </p:ext>
     </p:extLst>
   </p:cSld>
@@ -4970,7 +4728,7 @@
           <p:cNvPr id="2" name="Заголовок 1">
             <a:extLst>
               <a:ext uri="{FF2B5EF4-FFF2-40B4-BE49-F238E27FC236}">
-                <a16:creationId xmlns:a16="http://schemas.microsoft.com/office/drawing/2014/main" xmlns="" id="{6882BE26-495B-48BA-81E8-EF1C5C8D2D58}"/>
+                <a16:creationId xmlns:a16="http://schemas.microsoft.com/office/drawing/2014/main" id="{6882BE26-495B-48BA-81E8-EF1C5C8D2D58}"/>
               </a:ext>
             </a:extLst>
           </p:cNvPr>
@@ -5003,7 +4761,7 @@
           <p:cNvPr id="3" name="Объект 2">
             <a:extLst>
               <a:ext uri="{FF2B5EF4-FFF2-40B4-BE49-F238E27FC236}">
-                <a16:creationId xmlns:a16="http://schemas.microsoft.com/office/drawing/2014/main" xmlns="" id="{0AF9F72A-4914-4F1E-91FC-B8526DFB167D}"/>
+                <a16:creationId xmlns:a16="http://schemas.microsoft.com/office/drawing/2014/main" id="{0AF9F72A-4914-4F1E-91FC-B8526DFB167D}"/>
               </a:ext>
             </a:extLst>
           </p:cNvPr>
@@ -5049,7 +4807,7 @@
     </p:spTree>
     <p:extLst>
       <p:ext uri="{BB962C8B-B14F-4D97-AF65-F5344CB8AC3E}">
-        <p14:creationId xmlns:p14="http://schemas.microsoft.com/office/powerpoint/2010/main" xmlns="" val="474425818"/>
+        <p14:creationId xmlns:p14="http://schemas.microsoft.com/office/powerpoint/2010/main" val="474425818"/>
       </p:ext>
     </p:extLst>
   </p:cSld>
@@ -5081,7 +4839,7 @@
           <p:cNvPr id="2" name="Заголовок 1">
             <a:extLst>
               <a:ext uri="{FF2B5EF4-FFF2-40B4-BE49-F238E27FC236}">
-                <a16:creationId xmlns:a16="http://schemas.microsoft.com/office/drawing/2014/main" xmlns="" id="{CBD2A1DC-C546-4813-AFF5-DBD620D344DC}"/>
+                <a16:creationId xmlns:a16="http://schemas.microsoft.com/office/drawing/2014/main" id="{CBD2A1DC-C546-4813-AFF5-DBD620D344DC}"/>
               </a:ext>
             </a:extLst>
           </p:cNvPr>
@@ -5114,7 +4872,7 @@
           <p:cNvPr id="3" name="Объект 2">
             <a:extLst>
               <a:ext uri="{FF2B5EF4-FFF2-40B4-BE49-F238E27FC236}">
-                <a16:creationId xmlns:a16="http://schemas.microsoft.com/office/drawing/2014/main" xmlns="" id="{822DC083-EB3B-4FAD-BB8B-1B976E651242}"/>
+                <a16:creationId xmlns:a16="http://schemas.microsoft.com/office/drawing/2014/main" id="{822DC083-EB3B-4FAD-BB8B-1B976E651242}"/>
               </a:ext>
             </a:extLst>
           </p:cNvPr>
@@ -5231,7 +4989,7 @@
     </p:spTree>
     <p:extLst>
       <p:ext uri="{BB962C8B-B14F-4D97-AF65-F5344CB8AC3E}">
-        <p14:creationId xmlns:p14="http://schemas.microsoft.com/office/powerpoint/2010/main" xmlns="" val="343232953"/>
+        <p14:creationId xmlns:p14="http://schemas.microsoft.com/office/powerpoint/2010/main" val="343232953"/>
       </p:ext>
     </p:extLst>
   </p:cSld>
@@ -5263,7 +5021,7 @@
           <p:cNvPr id="2" name="Заголовок 1">
             <a:extLst>
               <a:ext uri="{FF2B5EF4-FFF2-40B4-BE49-F238E27FC236}">
-                <a16:creationId xmlns:a16="http://schemas.microsoft.com/office/drawing/2014/main" xmlns="" id="{92BC4488-6C9C-4FE0-8CFD-A120DFF8DA8B}"/>
+                <a16:creationId xmlns:a16="http://schemas.microsoft.com/office/drawing/2014/main" id="{92BC4488-6C9C-4FE0-8CFD-A120DFF8DA8B}"/>
               </a:ext>
             </a:extLst>
           </p:cNvPr>
@@ -5296,170 +5054,39 @@
           </a:p>
         </p:txBody>
       </p:sp>
-      <p:sp>
-        <p:nvSpPr>
-          <p:cNvPr id="3" name="Объект 2">
+      <p:pic>
+        <p:nvPicPr>
+          <p:cNvPr id="5" name="Объект 4">
             <a:extLst>
               <a:ext uri="{FF2B5EF4-FFF2-40B4-BE49-F238E27FC236}">
-                <a16:creationId xmlns:a16="http://schemas.microsoft.com/office/drawing/2014/main" xmlns="" id="{EFA360D7-9671-4B69-83A7-7B46979F71E7}"/>
+                <a16:creationId xmlns:a16="http://schemas.microsoft.com/office/drawing/2014/main" id="{58829C15-8BF9-4143-83CB-ACA415995ECB}"/>
               </a:ext>
             </a:extLst>
           </p:cNvPr>
-          <p:cNvSpPr>
-            <a:spLocks noGrp="1"/>
-          </p:cNvSpPr>
+          <p:cNvPicPr>
+            <a:picLocks noGrp="1" noChangeAspect="1"/>
+          </p:cNvPicPr>
           <p:nvPr>
             <p:ph idx="1"/>
           </p:nvPr>
-        </p:nvSpPr>
+        </p:nvPicPr>
+        <p:blipFill>
+          <a:blip r:embed="rId3"/>
+          <a:stretch>
+            <a:fillRect/>
+          </a:stretch>
+        </p:blipFill>
         <p:spPr>
           <a:xfrm>
-            <a:off x="838200" y="2141535"/>
-            <a:ext cx="10515600" cy="4351338"/>
+            <a:off x="2867406" y="2839831"/>
+            <a:ext cx="6790422" cy="1178338"/>
           </a:xfrm>
         </p:spPr>
-        <p:txBody>
-          <a:bodyPr/>
-          <a:lstStyle/>
-          <a:p>
-            <a:r>
-              <a:rPr lang="ru-RU" dirty="0">
-                <a:solidFill>
-                  <a:schemeClr val="bg1"/>
-                </a:solidFill>
-              </a:rPr>
-              <a:t>Был использован фреймворк </a:t>
-            </a:r>
-            <a:r>
-              <a:rPr lang="en-US" dirty="0">
-                <a:solidFill>
-                  <a:schemeClr val="bg1"/>
-                </a:solidFill>
-              </a:rPr>
-              <a:t>Django </a:t>
-            </a:r>
-            <a:r>
-              <a:rPr lang="ru-RU" dirty="0">
-                <a:solidFill>
-                  <a:schemeClr val="bg1"/>
-                </a:solidFill>
-              </a:rPr>
-              <a:t>в связи с его множеством плюсов, таких как:</a:t>
-            </a:r>
-          </a:p>
-          <a:p>
-            <a:pPr lvl="1"/>
-            <a:r>
-              <a:rPr lang="ru-RU" dirty="0" smtClean="0">
-                <a:solidFill>
-                  <a:schemeClr val="bg1"/>
-                </a:solidFill>
-              </a:rPr>
-              <a:t>Большое количество функций уже реализовано и </a:t>
-            </a:r>
-            <a:r>
-              <a:rPr lang="ru-RU" dirty="0" smtClean="0">
-                <a:solidFill>
-                  <a:schemeClr val="bg1"/>
-                </a:solidFill>
-              </a:rPr>
-              <a:t>автоматизировано</a:t>
-            </a:r>
-          </a:p>
-          <a:p>
-            <a:pPr lvl="1"/>
-            <a:r>
-              <a:rPr lang="ru-RU" dirty="0" smtClean="0">
-                <a:solidFill>
-                  <a:schemeClr val="bg1"/>
-                </a:solidFill>
-              </a:rPr>
-              <a:t>Удобная база данных и ORM в частности </a:t>
-            </a:r>
-            <a:r>
-              <a:rPr lang="ru-RU" dirty="0" err="1" smtClean="0">
-                <a:solidFill>
-                  <a:schemeClr val="bg1"/>
-                </a:solidFill>
-              </a:rPr>
-              <a:t>ManyToManyFields</a:t>
-            </a:r>
-            <a:r>
-              <a:rPr lang="ru-RU" dirty="0" smtClean="0">
-                <a:solidFill>
-                  <a:schemeClr val="bg1"/>
-                </a:solidFill>
-              </a:rPr>
-              <a:t> </a:t>
-            </a:r>
-            <a:endParaRPr lang="ru-RU" dirty="0" smtClean="0">
-              <a:solidFill>
-                <a:schemeClr val="bg1"/>
-              </a:solidFill>
-            </a:endParaRPr>
-          </a:p>
-          <a:p>
-            <a:pPr lvl="1"/>
-            <a:r>
-              <a:rPr lang="ru-RU" dirty="0" smtClean="0">
-                <a:solidFill>
-                  <a:schemeClr val="bg1"/>
-                </a:solidFill>
-              </a:rPr>
-              <a:t>Возможность "надстройки" и </a:t>
-            </a:r>
-            <a:r>
-              <a:rPr lang="ru-RU" dirty="0" err="1" smtClean="0">
-                <a:solidFill>
-                  <a:schemeClr val="bg1"/>
-                </a:solidFill>
-              </a:rPr>
-              <a:t>персонализации</a:t>
-            </a:r>
-            <a:r>
-              <a:rPr lang="ru-RU" dirty="0" smtClean="0">
-                <a:solidFill>
-                  <a:schemeClr val="bg1"/>
-                </a:solidFill>
-              </a:rPr>
-              <a:t>, к примеру замены базы данных на более мощную, </a:t>
-            </a:r>
-            <a:r>
-              <a:rPr lang="ru-RU" dirty="0" err="1" smtClean="0">
-                <a:solidFill>
-                  <a:schemeClr val="bg1"/>
-                </a:solidFill>
-              </a:rPr>
-              <a:t>WEBSoket`ы</a:t>
-            </a:r>
-            <a:r>
-              <a:rPr lang="ru-RU" dirty="0" smtClean="0">
-                <a:solidFill>
-                  <a:schemeClr val="bg1"/>
-                </a:solidFill>
-              </a:rPr>
-              <a:t> и </a:t>
-            </a:r>
-            <a:r>
-              <a:rPr lang="ru-RU" dirty="0" err="1" smtClean="0">
-                <a:solidFill>
-                  <a:schemeClr val="bg1"/>
-                </a:solidFill>
-              </a:rPr>
-              <a:t>др</a:t>
-            </a:r>
-            <a:endParaRPr lang="en-US" dirty="0">
-              <a:solidFill>
-                <a:schemeClr val="bg1"/>
-              </a:solidFill>
-            </a:endParaRPr>
-          </a:p>
-        </p:txBody>
-      </p:sp>
+      </p:pic>
     </p:spTree>
     <p:extLst>
       <p:ext uri="{BB962C8B-B14F-4D97-AF65-F5344CB8AC3E}">
-        <p14:creationId xmlns:p14="http://schemas.microsoft.com/office/powerpoint/2010/main" xmlns="" val="3150928837"/>
+        <p14:creationId xmlns:p14="http://schemas.microsoft.com/office/powerpoint/2010/main" val="3150928837"/>
       </p:ext>
     </p:extLst>
   </p:cSld>
@@ -5491,7 +5118,7 @@
           <p:cNvPr id="2" name="Заголовок 1">
             <a:extLst>
               <a:ext uri="{FF2B5EF4-FFF2-40B4-BE49-F238E27FC236}">
-                <a16:creationId xmlns:a16="http://schemas.microsoft.com/office/drawing/2014/main" xmlns="" id="{8345FD2A-AFFF-460E-A714-F44B255FC854}"/>
+                <a16:creationId xmlns:a16="http://schemas.microsoft.com/office/drawing/2014/main" id="{8345FD2A-AFFF-460E-A714-F44B255FC854}"/>
               </a:ext>
             </a:extLst>
           </p:cNvPr>
@@ -5524,105 +5151,12 @@
           </a:p>
         </p:txBody>
       </p:sp>
-      <p:sp>
-        <p:nvSpPr>
-          <p:cNvPr id="3" name="Объект 2">
-            <a:extLst>
-              <a:ext uri="{FF2B5EF4-FFF2-40B4-BE49-F238E27FC236}">
-                <a16:creationId xmlns:a16="http://schemas.microsoft.com/office/drawing/2014/main" xmlns="" id="{78EB1CEC-6A47-42E6-A273-C88A674FEA69}"/>
-              </a:ext>
-            </a:extLst>
-          </p:cNvPr>
-          <p:cNvSpPr>
-            <a:spLocks noGrp="1"/>
-          </p:cNvSpPr>
-          <p:nvPr>
-            <p:ph idx="1"/>
-          </p:nvPr>
-        </p:nvSpPr>
-        <p:spPr/>
-        <p:txBody>
-          <a:bodyPr/>
-          <a:lstStyle/>
-          <a:p>
-            <a:r>
-              <a:rPr lang="ru-RU" dirty="0">
-                <a:solidFill>
-                  <a:schemeClr val="bg1"/>
-                </a:solidFill>
-              </a:rPr>
-              <a:t>В </a:t>
-            </a:r>
-            <a:r>
-              <a:rPr lang="en-US" dirty="0">
-                <a:solidFill>
-                  <a:schemeClr val="bg1"/>
-                </a:solidFill>
-              </a:rPr>
-              <a:t>Django </a:t>
-            </a:r>
-            <a:r>
-              <a:rPr lang="ru-RU" dirty="0">
-                <a:solidFill>
-                  <a:schemeClr val="bg1"/>
-                </a:solidFill>
-              </a:rPr>
-              <a:t>встроена модель </a:t>
-            </a:r>
-            <a:r>
-              <a:rPr lang="en-US" dirty="0">
-                <a:solidFill>
-                  <a:schemeClr val="bg1"/>
-                </a:solidFill>
-              </a:rPr>
-              <a:t>User,</a:t>
-            </a:r>
-            <a:r>
-              <a:rPr lang="ru-RU" dirty="0">
-                <a:solidFill>
-                  <a:schemeClr val="bg1"/>
-                </a:solidFill>
-              </a:rPr>
-              <a:t> однако полей в этих моделях недостаточно. Так что сделана связанная с </a:t>
-            </a:r>
-            <a:r>
-              <a:rPr lang="en-US" dirty="0">
-                <a:solidFill>
-                  <a:schemeClr val="bg1"/>
-                </a:solidFill>
-              </a:rPr>
-              <a:t>User </a:t>
-            </a:r>
-            <a:r>
-              <a:rPr lang="ru-RU" dirty="0">
-                <a:solidFill>
-                  <a:schemeClr val="bg1"/>
-                </a:solidFill>
-              </a:rPr>
-              <a:t>модель </a:t>
-            </a:r>
-            <a:r>
-              <a:rPr lang="en-US" dirty="0">
-                <a:solidFill>
-                  <a:schemeClr val="bg1"/>
-                </a:solidFill>
-              </a:rPr>
-              <a:t>Profile</a:t>
-            </a:r>
-            <a:endParaRPr lang="ru-RU" dirty="0">
-              <a:solidFill>
-                <a:schemeClr val="bg1"/>
-              </a:solidFill>
-            </a:endParaRPr>
-          </a:p>
-        </p:txBody>
-      </p:sp>
       <p:pic>
         <p:nvPicPr>
           <p:cNvPr id="5" name="Рисунок 4">
             <a:extLst>
               <a:ext uri="{FF2B5EF4-FFF2-40B4-BE49-F238E27FC236}">
-                <a16:creationId xmlns:a16="http://schemas.microsoft.com/office/drawing/2014/main" xmlns="" id="{4D32746E-0649-4F55-8CBC-0A35A959AFC0}"/>
+                <a16:creationId xmlns:a16="http://schemas.microsoft.com/office/drawing/2014/main" id="{4D32746E-0649-4F55-8CBC-0A35A959AFC0}"/>
               </a:ext>
             </a:extLst>
           </p:cNvPr>
@@ -5639,7 +5173,7 @@
         </p:blipFill>
         <p:spPr>
           <a:xfrm>
-            <a:off x="1896492" y="2909240"/>
+            <a:off x="2079372" y="1839392"/>
             <a:ext cx="7848600" cy="2886075"/>
           </a:xfrm>
           <a:prstGeom prst="rect">
@@ -5650,7 +5184,7 @@
     </p:spTree>
     <p:extLst>
       <p:ext uri="{BB962C8B-B14F-4D97-AF65-F5344CB8AC3E}">
-        <p14:creationId xmlns:p14="http://schemas.microsoft.com/office/powerpoint/2010/main" xmlns="" val="2982963758"/>
+        <p14:creationId xmlns:p14="http://schemas.microsoft.com/office/powerpoint/2010/main" val="2982963758"/>
       </p:ext>
     </p:extLst>
   </p:cSld>
@@ -5682,7 +5216,7 @@
           <p:cNvPr id="2" name="Заголовок 1">
             <a:extLst>
               <a:ext uri="{FF2B5EF4-FFF2-40B4-BE49-F238E27FC236}">
-                <a16:creationId xmlns:a16="http://schemas.microsoft.com/office/drawing/2014/main" xmlns="" id="{0B6D9F5D-0B69-4907-BA99-A5C92E80FFB3}"/>
+                <a16:creationId xmlns:a16="http://schemas.microsoft.com/office/drawing/2014/main" id="{0B6D9F5D-0B69-4907-BA99-A5C92E80FFB3}"/>
               </a:ext>
             </a:extLst>
           </p:cNvPr>
@@ -5705,18 +5239,13 @@
           <a:p>
             <a:pPr algn="ctr"/>
             <a:r>
-              <a:rPr lang="ru-RU" dirty="0" smtClean="0">
+              <a:rPr lang="ru-RU" dirty="0">
                 <a:solidFill>
                   <a:schemeClr val="bg1"/>
                 </a:solidFill>
               </a:rPr>
               <a:t>Посты в социальной сети</a:t>
             </a:r>
-            <a:endParaRPr lang="ru-RU" dirty="0">
-              <a:solidFill>
-                <a:schemeClr val="bg1"/>
-              </a:solidFill>
-            </a:endParaRPr>
           </a:p>
         </p:txBody>
       </p:sp>
@@ -5725,7 +5254,7 @@
           <p:cNvPr id="7" name="Прямая со стрелкой 6">
             <a:extLst>
               <a:ext uri="{FF2B5EF4-FFF2-40B4-BE49-F238E27FC236}">
-                <a16:creationId xmlns:a16="http://schemas.microsoft.com/office/drawing/2014/main" xmlns="" id="{C0E9F51C-0788-4AE6-A3F7-FE2FB8AE2926}"/>
+                <a16:creationId xmlns:a16="http://schemas.microsoft.com/office/drawing/2014/main" id="{C0E9F51C-0788-4AE6-A3F7-FE2FB8AE2926}"/>
               </a:ext>
             </a:extLst>
           </p:cNvPr>
@@ -5767,7 +5296,7 @@
           <p:cNvPr id="8" name="Прямая со стрелкой 7">
             <a:extLst>
               <a:ext uri="{FF2B5EF4-FFF2-40B4-BE49-F238E27FC236}">
-                <a16:creationId xmlns:a16="http://schemas.microsoft.com/office/drawing/2014/main" xmlns="" id="{BA74A642-AD09-4131-80E5-D687F86A2A57}"/>
+                <a16:creationId xmlns:a16="http://schemas.microsoft.com/office/drawing/2014/main" id="{BA74A642-AD09-4131-80E5-D687F86A2A57}"/>
               </a:ext>
             </a:extLst>
           </p:cNvPr>
@@ -5811,7 +5340,7 @@
           <p:cNvPr id="10" name="TextBox 9">
             <a:extLst>
               <a:ext uri="{FF2B5EF4-FFF2-40B4-BE49-F238E27FC236}">
-                <a16:creationId xmlns:a16="http://schemas.microsoft.com/office/drawing/2014/main" xmlns="" id="{C46861B2-C245-499F-8CBD-B8883517115E}"/>
+                <a16:creationId xmlns:a16="http://schemas.microsoft.com/office/drawing/2014/main" id="{C46861B2-C245-499F-8CBD-B8883517115E}"/>
               </a:ext>
             </a:extLst>
           </p:cNvPr>
@@ -5855,7 +5384,7 @@
           <p:cNvPr id="11" name="TextBox 10">
             <a:extLst>
               <a:ext uri="{FF2B5EF4-FFF2-40B4-BE49-F238E27FC236}">
-                <a16:creationId xmlns:a16="http://schemas.microsoft.com/office/drawing/2014/main" xmlns="" id="{25B8D7D8-1FB3-4E7B-AF00-CE61B582D0DF}"/>
+                <a16:creationId xmlns:a16="http://schemas.microsoft.com/office/drawing/2014/main" id="{25B8D7D8-1FB3-4E7B-AF00-CE61B582D0DF}"/>
               </a:ext>
             </a:extLst>
           </p:cNvPr>
@@ -5899,7 +5428,7 @@
           <p:cNvPr id="15" name="Рисунок 14">
             <a:extLst>
               <a:ext uri="{FF2B5EF4-FFF2-40B4-BE49-F238E27FC236}">
-                <a16:creationId xmlns:a16="http://schemas.microsoft.com/office/drawing/2014/main" xmlns="" id="{95288055-9C9C-45C7-BC6B-FDD60A1474EF}"/>
+                <a16:creationId xmlns:a16="http://schemas.microsoft.com/office/drawing/2014/main" id="{95288055-9C9C-45C7-BC6B-FDD60A1474EF}"/>
               </a:ext>
             </a:extLst>
           </p:cNvPr>
@@ -5929,7 +5458,7 @@
           <p:cNvPr id="17" name="Рисунок 16">
             <a:extLst>
               <a:ext uri="{FF2B5EF4-FFF2-40B4-BE49-F238E27FC236}">
-                <a16:creationId xmlns:a16="http://schemas.microsoft.com/office/drawing/2014/main" xmlns="" id="{C9FDF067-96AC-433F-8153-1B81360FB141}"/>
+                <a16:creationId xmlns:a16="http://schemas.microsoft.com/office/drawing/2014/main" id="{C9FDF067-96AC-433F-8153-1B81360FB141}"/>
               </a:ext>
             </a:extLst>
           </p:cNvPr>
@@ -5959,7 +5488,7 @@
           <p:cNvPr id="19" name="Рисунок 18">
             <a:extLst>
               <a:ext uri="{FF2B5EF4-FFF2-40B4-BE49-F238E27FC236}">
-                <a16:creationId xmlns:a16="http://schemas.microsoft.com/office/drawing/2014/main" xmlns="" id="{6747A223-729B-4AFD-9BD4-3C2FB9972668}"/>
+                <a16:creationId xmlns:a16="http://schemas.microsoft.com/office/drawing/2014/main" id="{6747A223-729B-4AFD-9BD4-3C2FB9972668}"/>
               </a:ext>
             </a:extLst>
           </p:cNvPr>
@@ -5987,7 +5516,7 @@
     </p:spTree>
     <p:extLst>
       <p:ext uri="{BB962C8B-B14F-4D97-AF65-F5344CB8AC3E}">
-        <p14:creationId xmlns:p14="http://schemas.microsoft.com/office/powerpoint/2010/main" xmlns="" val="4016717690"/>
+        <p14:creationId xmlns:p14="http://schemas.microsoft.com/office/powerpoint/2010/main" val="4016717690"/>
       </p:ext>
     </p:extLst>
   </p:cSld>
@@ -6019,7 +5548,7 @@
           <p:cNvPr id="2" name="Заголовок 1">
             <a:extLst>
               <a:ext uri="{FF2B5EF4-FFF2-40B4-BE49-F238E27FC236}">
-                <a16:creationId xmlns:a16="http://schemas.microsoft.com/office/drawing/2014/main" xmlns="" id="{3897EBAB-044C-416C-A4EA-1278229E51C3}"/>
+                <a16:creationId xmlns:a16="http://schemas.microsoft.com/office/drawing/2014/main" id="{3897EBAB-044C-416C-A4EA-1278229E51C3}"/>
               </a:ext>
             </a:extLst>
           </p:cNvPr>
@@ -6037,70 +5566,12 @@
           <a:p>
             <a:pPr algn="ctr"/>
             <a:r>
-              <a:rPr lang="ru-RU" dirty="0" smtClean="0">
+              <a:rPr lang="ru-RU" dirty="0">
                 <a:solidFill>
                   <a:schemeClr val="bg1"/>
                 </a:solidFill>
               </a:rPr>
               <a:t>Лайки и комментарии</a:t>
-            </a:r>
-            <a:endParaRPr lang="ru-RU" dirty="0">
-              <a:solidFill>
-                <a:schemeClr val="bg1"/>
-              </a:solidFill>
-            </a:endParaRPr>
-          </a:p>
-        </p:txBody>
-      </p:sp>
-      <p:sp>
-        <p:nvSpPr>
-          <p:cNvPr id="3" name="Объект 2">
-            <a:extLst>
-              <a:ext uri="{FF2B5EF4-FFF2-40B4-BE49-F238E27FC236}">
-                <a16:creationId xmlns:a16="http://schemas.microsoft.com/office/drawing/2014/main" xmlns="" id="{E3187AB1-A397-46E5-9A42-BDE9ECAD1683}"/>
-              </a:ext>
-            </a:extLst>
-          </p:cNvPr>
-          <p:cNvSpPr>
-            <a:spLocks noGrp="1"/>
-          </p:cNvSpPr>
-          <p:nvPr>
-            <p:ph idx="1"/>
-          </p:nvPr>
-        </p:nvSpPr>
-        <p:spPr>
-          <a:xfrm>
-            <a:off x="838200" y="1825625"/>
-            <a:ext cx="10515600" cy="859946"/>
-          </a:xfrm>
-        </p:spPr>
-        <p:txBody>
-          <a:bodyPr/>
-          <a:lstStyle/>
-          <a:p>
-            <a:r>
-              <a:rPr lang="ru-RU" dirty="0">
-                <a:solidFill>
-                  <a:schemeClr val="bg1"/>
-                </a:solidFill>
-              </a:rPr>
-              <a:t>Модели, помогающие пользователям критиковать</a:t>
-            </a:r>
-            <a:r>
-              <a:rPr lang="en-US" dirty="0">
-                <a:solidFill>
-                  <a:schemeClr val="bg1"/>
-                </a:solidFill>
-              </a:rPr>
-              <a:t>/</a:t>
-            </a:r>
-            <a:r>
-              <a:rPr lang="ru-RU" dirty="0">
-                <a:solidFill>
-                  <a:schemeClr val="bg1"/>
-                </a:solidFill>
-              </a:rPr>
-              <a:t>хвалить тот или иной пост</a:t>
             </a:r>
           </a:p>
         </p:txBody>
@@ -6110,7 +5581,7 @@
           <p:cNvPr id="5" name="Рисунок 4">
             <a:extLst>
               <a:ext uri="{FF2B5EF4-FFF2-40B4-BE49-F238E27FC236}">
-                <a16:creationId xmlns:a16="http://schemas.microsoft.com/office/drawing/2014/main" xmlns="" id="{6AA02715-3D59-41DD-A36E-082B7CF81A01}"/>
+                <a16:creationId xmlns:a16="http://schemas.microsoft.com/office/drawing/2014/main" id="{6AA02715-3D59-41DD-A36E-082B7CF81A01}"/>
               </a:ext>
             </a:extLst>
           </p:cNvPr>
@@ -6127,7 +5598,7 @@
         </p:blipFill>
         <p:spPr>
           <a:xfrm>
-            <a:off x="490406" y="2999027"/>
+            <a:off x="806420" y="2678782"/>
             <a:ext cx="5173548" cy="859946"/>
           </a:xfrm>
           <a:prstGeom prst="rect">
@@ -6140,7 +5611,7 @@
           <p:cNvPr id="7" name="Рисунок 6">
             <a:extLst>
               <a:ext uri="{FF2B5EF4-FFF2-40B4-BE49-F238E27FC236}">
-                <a16:creationId xmlns:a16="http://schemas.microsoft.com/office/drawing/2014/main" xmlns="" id="{DBF775EC-40C2-4703-A321-FF0332600AB4}"/>
+                <a16:creationId xmlns:a16="http://schemas.microsoft.com/office/drawing/2014/main" id="{DBF775EC-40C2-4703-A321-FF0332600AB4}"/>
               </a:ext>
             </a:extLst>
           </p:cNvPr>
@@ -6157,7 +5628,7 @@
         </p:blipFill>
         <p:spPr>
           <a:xfrm>
-            <a:off x="5958836" y="2999027"/>
+            <a:off x="6096000" y="2696865"/>
             <a:ext cx="5306188" cy="859946"/>
           </a:xfrm>
           <a:prstGeom prst="rect">
@@ -6165,110 +5636,10 @@
           </a:prstGeom>
         </p:spPr>
       </p:pic>
-      <p:sp>
-        <p:nvSpPr>
-          <p:cNvPr id="8" name="TextBox 7">
-            <a:extLst>
-              <a:ext uri="{FF2B5EF4-FFF2-40B4-BE49-F238E27FC236}">
-                <a16:creationId xmlns:a16="http://schemas.microsoft.com/office/drawing/2014/main" xmlns="" id="{B6DF0E5A-BE94-4805-9A4D-128FC8ED89FC}"/>
-              </a:ext>
-            </a:extLst>
-          </p:cNvPr>
-          <p:cNvSpPr txBox="1"/>
-          <p:nvPr/>
-        </p:nvSpPr>
-        <p:spPr>
-          <a:xfrm>
-            <a:off x="1495148" y="4358936"/>
-            <a:ext cx="10596239" cy="646331"/>
-          </a:xfrm>
-          <a:prstGeom prst="rect">
-            <a:avLst/>
-          </a:prstGeom>
-          <a:noFill/>
-        </p:spPr>
-        <p:txBody>
-          <a:bodyPr wrap="square" rtlCol="0">
-            <a:spAutoFit/>
-          </a:bodyPr>
-          <a:lstStyle/>
-          <a:p>
-            <a:r>
-              <a:rPr lang="ru-RU" dirty="0">
-                <a:solidFill>
-                  <a:schemeClr val="bg1"/>
-                </a:solidFill>
-              </a:rPr>
-              <a:t>Модель </a:t>
-            </a:r>
-            <a:r>
-              <a:rPr lang="en-US" dirty="0">
-                <a:solidFill>
-                  <a:schemeClr val="bg1"/>
-                </a:solidFill>
-              </a:rPr>
-              <a:t>Likes </a:t>
-            </a:r>
-            <a:r>
-              <a:rPr lang="ru-RU" dirty="0">
-                <a:solidFill>
-                  <a:schemeClr val="bg1"/>
-                </a:solidFill>
-              </a:rPr>
-              <a:t>имеет поле </a:t>
-            </a:r>
-            <a:r>
-              <a:rPr lang="en-US" dirty="0" err="1">
-                <a:solidFill>
-                  <a:schemeClr val="bg1"/>
-                </a:solidFill>
-              </a:rPr>
-              <a:t>unique_parameter</a:t>
-            </a:r>
-            <a:r>
-              <a:rPr lang="ru-RU" dirty="0">
-                <a:solidFill>
-                  <a:schemeClr val="bg1"/>
-                </a:solidFill>
-              </a:rPr>
-              <a:t>, который </a:t>
-            </a:r>
-            <a:r>
-              <a:rPr lang="ru-RU" dirty="0" smtClean="0">
-                <a:solidFill>
-                  <a:schemeClr val="bg1"/>
-                </a:solidFill>
-              </a:rPr>
-              <a:t>необходим пользователь не мог несколько раз </a:t>
-            </a:r>
-            <a:r>
-              <a:rPr lang="ru-RU" dirty="0" err="1" smtClean="0">
-                <a:solidFill>
-                  <a:schemeClr val="bg1"/>
-                </a:solidFill>
-              </a:rPr>
-              <a:t>лайкать</a:t>
-            </a:r>
-            <a:r>
-              <a:rPr lang="ru-RU" dirty="0" smtClean="0">
-                <a:solidFill>
-                  <a:schemeClr val="bg1"/>
-                </a:solidFill>
-              </a:rPr>
-              <a:t> одну и ту же запись</a:t>
-            </a:r>
-            <a:endParaRPr lang="ru-RU" dirty="0">
-              <a:solidFill>
-                <a:schemeClr val="bg1"/>
-              </a:solidFill>
-            </a:endParaRPr>
-          </a:p>
-        </p:txBody>
-      </p:sp>
     </p:spTree>
     <p:extLst>
       <p:ext uri="{BB962C8B-B14F-4D97-AF65-F5344CB8AC3E}">
-        <p14:creationId xmlns:p14="http://schemas.microsoft.com/office/powerpoint/2010/main" xmlns="" val="4001340198"/>
+        <p14:creationId xmlns:p14="http://schemas.microsoft.com/office/powerpoint/2010/main" val="4001340198"/>
       </p:ext>
     </p:extLst>
   </p:cSld>
@@ -6300,7 +5671,7 @@
           <p:cNvPr id="2" name="Заголовок 1">
             <a:extLst>
               <a:ext uri="{FF2B5EF4-FFF2-40B4-BE49-F238E27FC236}">
-                <a16:creationId xmlns:a16="http://schemas.microsoft.com/office/drawing/2014/main" xmlns="" id="{92C233B1-A9F1-4F35-A560-077C88E2EA57}"/>
+                <a16:creationId xmlns:a16="http://schemas.microsoft.com/office/drawing/2014/main" id="{92C233B1-A9F1-4F35-A560-077C88E2EA57}"/>
               </a:ext>
             </a:extLst>
           </p:cNvPr>
@@ -6318,113 +5689,13 @@
           <a:p>
             <a:pPr algn="ctr"/>
             <a:r>
-              <a:rPr lang="ru-RU" dirty="0" smtClean="0">
+              <a:rPr lang="ru-RU" dirty="0">
                 <a:solidFill>
                   <a:schemeClr val="bg1"/>
                 </a:solidFill>
               </a:rPr>
               <a:t>Друзья и подписчики</a:t>
             </a:r>
-            <a:endParaRPr lang="ru-RU" dirty="0">
-              <a:solidFill>
-                <a:schemeClr val="bg1"/>
-              </a:solidFill>
-            </a:endParaRPr>
-          </a:p>
-        </p:txBody>
-      </p:sp>
-      <p:sp>
-        <p:nvSpPr>
-          <p:cNvPr id="3" name="Объект 2">
-            <a:extLst>
-              <a:ext uri="{FF2B5EF4-FFF2-40B4-BE49-F238E27FC236}">
-                <a16:creationId xmlns:a16="http://schemas.microsoft.com/office/drawing/2014/main" xmlns="" id="{52A446DF-F4BB-437B-AB2B-97BF6434739B}"/>
-              </a:ext>
-            </a:extLst>
-          </p:cNvPr>
-          <p:cNvSpPr>
-            <a:spLocks noGrp="1"/>
-          </p:cNvSpPr>
-          <p:nvPr>
-            <p:ph idx="1"/>
-          </p:nvPr>
-        </p:nvSpPr>
-        <p:spPr/>
-        <p:txBody>
-          <a:bodyPr/>
-          <a:lstStyle/>
-          <a:p>
-            <a:r>
-              <a:rPr lang="ru-RU" dirty="0">
-                <a:solidFill>
-                  <a:schemeClr val="bg1"/>
-                </a:solidFill>
-              </a:rPr>
-              <a:t>Конечно, просто добавить в друзей пользователя нельзя, нужно отправить запрос, а в зависимости от ответа вы попадёте или в друзья, или в подписчики.</a:t>
-            </a:r>
-          </a:p>
-          <a:p>
-            <a:r>
-              <a:rPr lang="ru-RU" dirty="0">
-                <a:solidFill>
-                  <a:schemeClr val="bg1"/>
-                </a:solidFill>
-              </a:rPr>
-              <a:t>Так и пришли модели </a:t>
-            </a:r>
-            <a:r>
-              <a:rPr lang="en-US" dirty="0" err="1">
-                <a:solidFill>
-                  <a:schemeClr val="bg1"/>
-                </a:solidFill>
-              </a:rPr>
-              <a:t>FriendRequest</a:t>
-            </a:r>
-            <a:r>
-              <a:rPr lang="en-US" dirty="0">
-                <a:solidFill>
-                  <a:schemeClr val="bg1"/>
-                </a:solidFill>
-              </a:rPr>
-              <a:t>, </a:t>
-            </a:r>
-            <a:r>
-              <a:rPr lang="en-US" dirty="0" err="1">
-                <a:solidFill>
-                  <a:schemeClr val="bg1"/>
-                </a:solidFill>
-              </a:rPr>
-              <a:t>FriedShip</a:t>
-            </a:r>
-            <a:r>
-              <a:rPr lang="en-US" dirty="0">
-                <a:solidFill>
-                  <a:schemeClr val="bg1"/>
-                </a:solidFill>
-              </a:rPr>
-              <a:t> </a:t>
-            </a:r>
-            <a:r>
-              <a:rPr lang="ru-RU" dirty="0">
-                <a:solidFill>
-                  <a:schemeClr val="bg1"/>
-                </a:solidFill>
-              </a:rPr>
-              <a:t>и </a:t>
-            </a:r>
-            <a:r>
-              <a:rPr lang="en-US" dirty="0" err="1">
-                <a:solidFill>
-                  <a:schemeClr val="bg1"/>
-                </a:solidFill>
-              </a:rPr>
-              <a:t>SubscriberShip</a:t>
-            </a:r>
-            <a:endParaRPr lang="ru-RU" dirty="0">
-              <a:solidFill>
-                <a:schemeClr val="bg1"/>
-              </a:solidFill>
-            </a:endParaRPr>
           </a:p>
         </p:txBody>
       </p:sp>
@@ -6433,7 +5704,7 @@
           <p:cNvPr id="7" name="Рисунок 6">
             <a:extLst>
               <a:ext uri="{FF2B5EF4-FFF2-40B4-BE49-F238E27FC236}">
-                <a16:creationId xmlns:a16="http://schemas.microsoft.com/office/drawing/2014/main" xmlns="" id="{2CBA86F8-2299-4F63-81A0-4A51BE3EB6B1}"/>
+                <a16:creationId xmlns:a16="http://schemas.microsoft.com/office/drawing/2014/main" id="{2CBA86F8-2299-4F63-81A0-4A51BE3EB6B1}"/>
               </a:ext>
             </a:extLst>
           </p:cNvPr>
@@ -6450,7 +5721,7 @@
         </p:blipFill>
         <p:spPr>
           <a:xfrm>
-            <a:off x="602757" y="3645979"/>
+            <a:off x="838200" y="2031680"/>
             <a:ext cx="4679456" cy="1381510"/>
           </a:xfrm>
           <a:prstGeom prst="rect">
@@ -6463,7 +5734,7 @@
           <p:cNvPr id="9" name="Рисунок 8">
             <a:extLst>
               <a:ext uri="{FF2B5EF4-FFF2-40B4-BE49-F238E27FC236}">
-                <a16:creationId xmlns:a16="http://schemas.microsoft.com/office/drawing/2014/main" xmlns="" id="{8B06150A-43DE-4FC2-972E-6BF34E1B722F}"/>
+                <a16:creationId xmlns:a16="http://schemas.microsoft.com/office/drawing/2014/main" id="{8B06150A-43DE-4FC2-972E-6BF34E1B722F}"/>
               </a:ext>
             </a:extLst>
           </p:cNvPr>
@@ -6480,7 +5751,7 @@
         </p:blipFill>
         <p:spPr>
           <a:xfrm>
-            <a:off x="6096000" y="3646021"/>
+            <a:off x="5904668" y="2023008"/>
             <a:ext cx="5257800" cy="1381467"/>
           </a:xfrm>
           <a:prstGeom prst="rect">
@@ -6493,7 +5764,7 @@
           <p:cNvPr id="11" name="Рисунок 10">
             <a:extLst>
               <a:ext uri="{FF2B5EF4-FFF2-40B4-BE49-F238E27FC236}">
-                <a16:creationId xmlns:a16="http://schemas.microsoft.com/office/drawing/2014/main" xmlns="" id="{71287825-170E-45E6-938B-7D219A1CFEC3}"/>
+                <a16:creationId xmlns:a16="http://schemas.microsoft.com/office/drawing/2014/main" id="{71287825-170E-45E6-938B-7D219A1CFEC3}"/>
               </a:ext>
             </a:extLst>
           </p:cNvPr>
@@ -6510,7 +5781,7 @@
         </p:blipFill>
         <p:spPr>
           <a:xfrm>
-            <a:off x="4030832" y="5145165"/>
+            <a:off x="3616724" y="4130181"/>
             <a:ext cx="4429584" cy="1273391"/>
           </a:xfrm>
           <a:prstGeom prst="rect">
@@ -6521,7 +5792,7 @@
     </p:spTree>
     <p:extLst>
       <p:ext uri="{BB962C8B-B14F-4D97-AF65-F5344CB8AC3E}">
-        <p14:creationId xmlns:p14="http://schemas.microsoft.com/office/powerpoint/2010/main" xmlns="" val="408703371"/>
+        <p14:creationId xmlns:p14="http://schemas.microsoft.com/office/powerpoint/2010/main" val="408703371"/>
       </p:ext>
     </p:extLst>
   </p:cSld>
@@ -6553,7 +5824,7 @@
           <p:cNvPr id="2" name="Заголовок 1">
             <a:extLst>
               <a:ext uri="{FF2B5EF4-FFF2-40B4-BE49-F238E27FC236}">
-                <a16:creationId xmlns:a16="http://schemas.microsoft.com/office/drawing/2014/main" xmlns="" id="{DB465B30-CBC6-483F-B6F8-85125E630A4C}"/>
+                <a16:creationId xmlns:a16="http://schemas.microsoft.com/office/drawing/2014/main" id="{DB465B30-CBC6-483F-B6F8-85125E630A4C}"/>
               </a:ext>
             </a:extLst>
           </p:cNvPr>
@@ -6586,166 +5857,12 @@
           </a:p>
         </p:txBody>
       </p:sp>
-      <p:sp>
-        <p:nvSpPr>
-          <p:cNvPr id="3" name="Объект 2">
-            <a:extLst>
-              <a:ext uri="{FF2B5EF4-FFF2-40B4-BE49-F238E27FC236}">
-                <a16:creationId xmlns:a16="http://schemas.microsoft.com/office/drawing/2014/main" xmlns="" id="{E48A165C-CECD-464B-A453-9DCAEC9770AE}"/>
-              </a:ext>
-            </a:extLst>
-          </p:cNvPr>
-          <p:cNvSpPr>
-            <a:spLocks noGrp="1"/>
-          </p:cNvSpPr>
-          <p:nvPr>
-            <p:ph idx="1"/>
-          </p:nvPr>
-        </p:nvSpPr>
-        <p:spPr/>
-        <p:txBody>
-          <a:bodyPr/>
-          <a:lstStyle/>
-          <a:p>
-            <a:r>
-              <a:rPr lang="ru-RU" dirty="0">
-                <a:solidFill>
-                  <a:schemeClr val="bg1"/>
-                </a:solidFill>
-              </a:rPr>
-              <a:t>Возьмём, к примеру модели </a:t>
-            </a:r>
-            <a:r>
-              <a:rPr lang="en-US" dirty="0">
-                <a:solidFill>
-                  <a:schemeClr val="bg1"/>
-                </a:solidFill>
-              </a:rPr>
-              <a:t>User </a:t>
-            </a:r>
-            <a:r>
-              <a:rPr lang="ru-RU" dirty="0">
-                <a:solidFill>
-                  <a:schemeClr val="bg1"/>
-                </a:solidFill>
-              </a:rPr>
-              <a:t>и </a:t>
-            </a:r>
-            <a:r>
-              <a:rPr lang="en-US" dirty="0">
-                <a:solidFill>
-                  <a:schemeClr val="bg1"/>
-                </a:solidFill>
-              </a:rPr>
-              <a:t>Profile</a:t>
-            </a:r>
-            <a:r>
-              <a:rPr lang="ru-RU" dirty="0">
-                <a:solidFill>
-                  <a:schemeClr val="bg1"/>
-                </a:solidFill>
-              </a:rPr>
-              <a:t>. Легко понять, что если есть объект </a:t>
-            </a:r>
-            <a:r>
-              <a:rPr lang="en-US" dirty="0">
-                <a:solidFill>
-                  <a:schemeClr val="bg1"/>
-                </a:solidFill>
-              </a:rPr>
-              <a:t>User,</a:t>
-            </a:r>
-            <a:r>
-              <a:rPr lang="ru-RU" dirty="0">
-                <a:solidFill>
-                  <a:schemeClr val="bg1"/>
-                </a:solidFill>
-              </a:rPr>
-              <a:t> то должен быть и объект </a:t>
-            </a:r>
-            <a:r>
-              <a:rPr lang="en-US" dirty="0">
-                <a:solidFill>
-                  <a:schemeClr val="bg1"/>
-                </a:solidFill>
-              </a:rPr>
-              <a:t>Profile. </a:t>
-            </a:r>
-            <a:r>
-              <a:rPr lang="ru-RU" dirty="0">
-                <a:solidFill>
-                  <a:schemeClr val="bg1"/>
-                </a:solidFill>
-              </a:rPr>
-              <a:t>Точно так же и с моделями </a:t>
-            </a:r>
-            <a:r>
-              <a:rPr lang="en-US" dirty="0">
-                <a:solidFill>
-                  <a:schemeClr val="bg1"/>
-                </a:solidFill>
-              </a:rPr>
-              <a:t>News </a:t>
-            </a:r>
-            <a:r>
-              <a:rPr lang="ru-RU" dirty="0">
-                <a:solidFill>
-                  <a:schemeClr val="bg1"/>
-                </a:solidFill>
-              </a:rPr>
-              <a:t>и </a:t>
-            </a:r>
-            <a:r>
-              <a:rPr lang="en-US" dirty="0">
-                <a:solidFill>
-                  <a:schemeClr val="bg1"/>
-                </a:solidFill>
-              </a:rPr>
-              <a:t>Posts, Repost </a:t>
-            </a:r>
-            <a:r>
-              <a:rPr lang="ru-RU" dirty="0">
-                <a:solidFill>
-                  <a:schemeClr val="bg1"/>
-                </a:solidFill>
-              </a:rPr>
-              <a:t>и </a:t>
-            </a:r>
-            <a:r>
-              <a:rPr lang="en-US" dirty="0">
-                <a:solidFill>
-                  <a:schemeClr val="bg1"/>
-                </a:solidFill>
-              </a:rPr>
-              <a:t>Posts</a:t>
-            </a:r>
-          </a:p>
-          <a:p>
-            <a:r>
-              <a:rPr lang="en-US" dirty="0">
-                <a:solidFill>
-                  <a:schemeClr val="bg1"/>
-                </a:solidFill>
-              </a:rPr>
-              <a:t>Django </a:t>
-            </a:r>
-            <a:r>
-              <a:rPr lang="ru-RU" dirty="0">
-                <a:solidFill>
-                  <a:schemeClr val="bg1"/>
-                </a:solidFill>
-              </a:rPr>
-              <a:t>позволяет добиться того, чтоб при создании объекта одной модели, создавался объект другой.</a:t>
-            </a:r>
-          </a:p>
-        </p:txBody>
-      </p:sp>
       <p:pic>
         <p:nvPicPr>
           <p:cNvPr id="5" name="Рисунок 4">
             <a:extLst>
               <a:ext uri="{FF2B5EF4-FFF2-40B4-BE49-F238E27FC236}">
-                <a16:creationId xmlns:a16="http://schemas.microsoft.com/office/drawing/2014/main" xmlns="" id="{46C83AB0-4843-4F8A-97D0-908A5DBD4053}"/>
+                <a16:creationId xmlns:a16="http://schemas.microsoft.com/office/drawing/2014/main" id="{46C83AB0-4843-4F8A-97D0-908A5DBD4053}"/>
               </a:ext>
             </a:extLst>
           </p:cNvPr>
@@ -6762,7 +5879,7 @@
         </p:blipFill>
         <p:spPr>
           <a:xfrm>
-            <a:off x="1016169" y="4148138"/>
+            <a:off x="971551" y="2511362"/>
             <a:ext cx="4886325" cy="2028825"/>
           </a:xfrm>
           <a:prstGeom prst="rect">
@@ -6775,7 +5892,7 @@
           <p:cNvPr id="7" name="Рисунок 6">
             <a:extLst>
               <a:ext uri="{FF2B5EF4-FFF2-40B4-BE49-F238E27FC236}">
-                <a16:creationId xmlns:a16="http://schemas.microsoft.com/office/drawing/2014/main" xmlns="" id="{4183342B-7318-4D47-BC47-C7265E1B5717}"/>
+                <a16:creationId xmlns:a16="http://schemas.microsoft.com/office/drawing/2014/main" id="{4183342B-7318-4D47-BC47-C7265E1B5717}"/>
               </a:ext>
             </a:extLst>
           </p:cNvPr>
@@ -6792,7 +5909,7 @@
         </p:blipFill>
         <p:spPr>
           <a:xfrm>
-            <a:off x="6334125" y="4148138"/>
+            <a:off x="6334126" y="2473261"/>
             <a:ext cx="5019675" cy="2105025"/>
           </a:xfrm>
           <a:prstGeom prst="rect">
@@ -6803,7 +5920,7 @@
     </p:spTree>
     <p:extLst>
       <p:ext uri="{BB962C8B-B14F-4D97-AF65-F5344CB8AC3E}">
-        <p14:creationId xmlns:p14="http://schemas.microsoft.com/office/powerpoint/2010/main" xmlns="" val="3518224344"/>
+        <p14:creationId xmlns:p14="http://schemas.microsoft.com/office/powerpoint/2010/main" val="3518224344"/>
       </p:ext>
     </p:extLst>
   </p:cSld>
@@ -6835,7 +5952,7 @@
           <p:cNvPr id="2" name="Заголовок 1">
             <a:extLst>
               <a:ext uri="{FF2B5EF4-FFF2-40B4-BE49-F238E27FC236}">
-                <a16:creationId xmlns:a16="http://schemas.microsoft.com/office/drawing/2014/main" xmlns="" id="{99FEE1CA-80A6-4AD3-9727-5F216DBF3151}"/>
+                <a16:creationId xmlns:a16="http://schemas.microsoft.com/office/drawing/2014/main" id="{99FEE1CA-80A6-4AD3-9727-5F216DBF3151}"/>
               </a:ext>
             </a:extLst>
           </p:cNvPr>
@@ -6889,7 +6006,7 @@
           <p:cNvPr id="3" name="Объект 2">
             <a:extLst>
               <a:ext uri="{FF2B5EF4-FFF2-40B4-BE49-F238E27FC236}">
-                <a16:creationId xmlns:a16="http://schemas.microsoft.com/office/drawing/2014/main" xmlns="" id="{2E3CD938-749A-441C-95CA-B8D8F5777F7F}"/>
+                <a16:creationId xmlns:a16="http://schemas.microsoft.com/office/drawing/2014/main" id="{2E3CD938-749A-441C-95CA-B8D8F5777F7F}"/>
               </a:ext>
             </a:extLst>
           </p:cNvPr>
@@ -7089,7 +6206,7 @@
     </p:spTree>
     <p:extLst>
       <p:ext uri="{BB962C8B-B14F-4D97-AF65-F5344CB8AC3E}">
-        <p14:creationId xmlns:p14="http://schemas.microsoft.com/office/powerpoint/2010/main" xmlns="" val="1796418749"/>
+        <p14:creationId xmlns:p14="http://schemas.microsoft.com/office/powerpoint/2010/main" val="1796418749"/>
       </p:ext>
     </p:extLst>
   </p:cSld>
@@ -7354,7 +6471,7 @@
   <a:extraClrSchemeLst/>
   <a:extLst>
     <a:ext uri="{05A4C25C-085E-4340-85A3-A5531E510DB2}">
-      <thm15:themeFamily xmlns:thm15="http://schemas.microsoft.com/office/thememl/2012/main" xmlns="" name="Office Theme" id="{62F939B6-93AF-4DB8-9C6B-D6C7DFDC589F}" vid="{4A3C46E8-61CC-4603-A589-7422A47A8E4A}"/>
+      <thm15:themeFamily xmlns:thm15="http://schemas.microsoft.com/office/thememl/2012/main" name="Office Theme" id="{62F939B6-93AF-4DB8-9C6B-D6C7DFDC589F}" vid="{4A3C46E8-61CC-4603-A589-7422A47A8E4A}"/>
     </a:ext>
   </a:extLst>
 </a:theme>
@@ -7649,7 +6766,7 @@
   <a:extraClrSchemeLst/>
   <a:extLst>
     <a:ext uri="{05A4C25C-085E-4340-85A3-A5531E510DB2}">
-      <thm15:themeFamily xmlns:thm15="http://schemas.microsoft.com/office/thememl/2012/main" xmlns="" name="Office Theme" id="{62F939B6-93AF-4DB8-9C6B-D6C7DFDC589F}" vid="{4A3C46E8-61CC-4603-A589-7422A47A8E4A}"/>
+      <thm15:themeFamily xmlns:thm15="http://schemas.microsoft.com/office/thememl/2012/main" name="Office Theme" id="{62F939B6-93AF-4DB8-9C6B-D6C7DFDC589F}" vid="{4A3C46E8-61CC-4603-A589-7422A47A8E4A}"/>
     </a:ext>
   </a:extLst>
 </a:theme>
